--- a/Prognozowanie szeregów czasowych.pptx
+++ b/Prognozowanie szeregów czasowych.pptx
@@ -5,13 +5,12 @@
     <p:sldMasterId id="2147483722" r:id="rId1"/>
   </p:sldMasterIdLst>
   <p:notesMasterIdLst>
-    <p:notesMasterId r:id="rId6"/>
+    <p:notesMasterId r:id="rId5"/>
   </p:notesMasterIdLst>
   <p:sldIdLst>
     <p:sldId id="256" r:id="rId2"/>
     <p:sldId id="257" r:id="rId3"/>
-    <p:sldId id="258" r:id="rId4"/>
-    <p:sldId id="259" r:id="rId5"/>
+    <p:sldId id="260" r:id="rId4"/>
   </p:sldIdLst>
   <p:sldSz cx="12192000" cy="6858000"/>
   <p:notesSz cx="6858000" cy="9144000"/>
@@ -200,7 +199,7 @@
           <a:p>
             <a:fld id="{B12E891C-286A-4C11-83E9-0C56775277E9}" type="datetimeFigureOut">
               <a:rPr lang="pl-PL" smtClean="0"/>
-              <a:t>10.01.2025</a:t>
+              <a:t>12.01.2025</a:t>
             </a:fld>
             <a:endParaRPr lang="pl-PL"/>
           </a:p>
@@ -465,90 +464,6 @@
     </a:lvl9pPr>
   </p:notesStyle>
 </p:notesMaster>
-</file>
-
-<file path=ppt/notesSlides/notesSlide1.xml><?xml version="1.0" encoding="utf-8"?>
-<p:notes xmlns:a="http://schemas.openxmlformats.org/drawingml/2006/main" xmlns:r="http://schemas.openxmlformats.org/officeDocument/2006/relationships" xmlns:p="http://schemas.openxmlformats.org/presentationml/2006/main">
-  <p:cSld>
-    <p:spTree>
-      <p:nvGrpSpPr>
-        <p:cNvPr id="1" name=""/>
-        <p:cNvGrpSpPr/>
-        <p:nvPr/>
-      </p:nvGrpSpPr>
-      <p:grpSpPr>
-        <a:xfrm>
-          <a:off x="0" y="0"/>
-          <a:ext cx="0" cy="0"/>
-          <a:chOff x="0" y="0"/>
-          <a:chExt cx="0" cy="0"/>
-        </a:xfrm>
-      </p:grpSpPr>
-      <p:sp>
-        <p:nvSpPr>
-          <p:cNvPr id="2" name="Symbol zastępczy obrazu slajdu 1"/>
-          <p:cNvSpPr>
-            <a:spLocks noGrp="1" noRot="1" noChangeAspect="1"/>
-          </p:cNvSpPr>
-          <p:nvPr>
-            <p:ph type="sldImg"/>
-          </p:nvPr>
-        </p:nvSpPr>
-        <p:spPr/>
-      </p:sp>
-      <p:sp>
-        <p:nvSpPr>
-          <p:cNvPr id="3" name="Symbol zastępczy notatek 2"/>
-          <p:cNvSpPr>
-            <a:spLocks noGrp="1"/>
-          </p:cNvSpPr>
-          <p:nvPr>
-            <p:ph type="body" idx="1"/>
-          </p:nvPr>
-        </p:nvSpPr>
-        <p:spPr/>
-        <p:txBody>
-          <a:bodyPr/>
-          <a:lstStyle/>
-          <a:p>
-            <a:endParaRPr lang="pl-PL" dirty="0"/>
-          </a:p>
-        </p:txBody>
-      </p:sp>
-      <p:sp>
-        <p:nvSpPr>
-          <p:cNvPr id="4" name="Symbol zastępczy numeru slajdu 3"/>
-          <p:cNvSpPr>
-            <a:spLocks noGrp="1"/>
-          </p:cNvSpPr>
-          <p:nvPr>
-            <p:ph type="sldNum" sz="quarter" idx="5"/>
-          </p:nvPr>
-        </p:nvSpPr>
-        <p:spPr/>
-        <p:txBody>
-          <a:bodyPr/>
-          <a:lstStyle/>
-          <a:p>
-            <a:fld id="{6655365A-60EA-4ABA-A0FE-E07163A5E5B9}" type="slidenum">
-              <a:rPr lang="pl-PL" smtClean="0"/>
-              <a:t>4</a:t>
-            </a:fld>
-            <a:endParaRPr lang="pl-PL"/>
-          </a:p>
-        </p:txBody>
-      </p:sp>
-    </p:spTree>
-    <p:extLst>
-      <p:ext uri="{BB962C8B-B14F-4D97-AF65-F5344CB8AC3E}">
-        <p14:creationId xmlns:p14="http://schemas.microsoft.com/office/powerpoint/2010/main" val="3057635916"/>
-      </p:ext>
-    </p:extLst>
-  </p:cSld>
-  <p:clrMapOvr>
-    <a:masterClrMapping/>
-  </p:clrMapOvr>
-</p:notes>
 </file>
 
 <file path=ppt/slideLayouts/slideLayout1.xml><?xml version="1.0" encoding="utf-8"?>
@@ -1020,7 +935,7 @@
           <a:p>
             <a:fld id="{EA0C0817-A112-4847-8014-A94B7D2A4EA3}" type="datetime1">
               <a:rPr lang="en-US" smtClean="0"/>
-              <a:t>1/7/2025</a:t>
+              <a:t>1/12/2025</a:t>
             </a:fld>
             <a:endParaRPr lang="en-US" dirty="0"/>
           </a:p>
@@ -1222,7 +1137,7 @@
           <a:p>
             <a:fld id="{134F40B7-36AB-4376-BE14-EF7004D79BB9}" type="datetime1">
               <a:rPr lang="en-US" smtClean="0"/>
-              <a:t>1/7/2025</a:t>
+              <a:t>1/12/2025</a:t>
             </a:fld>
             <a:endParaRPr lang="en-US"/>
           </a:p>
@@ -1402,7 +1317,7 @@
           <a:p>
             <a:fld id="{FF87CAB8-DCAE-46A5-AADA-B3FAD11A54E0}" type="datetime1">
               <a:rPr lang="en-US" smtClean="0"/>
-              <a:t>1/7/2025</a:t>
+              <a:t>1/12/2025</a:t>
             </a:fld>
             <a:endParaRPr lang="en-US"/>
           </a:p>
@@ -1572,7 +1487,7 @@
           <a:p>
             <a:fld id="{7332B432-ACDA-4023-A761-2BAB76577B62}" type="datetime1">
               <a:rPr lang="en-US" smtClean="0"/>
-              <a:t>1/7/2025</a:t>
+              <a:t>1/12/2025</a:t>
             </a:fld>
             <a:endParaRPr lang="en-US"/>
           </a:p>
@@ -2171,7 +2086,7 @@
           <a:p>
             <a:fld id="{D9C646AA-F36E-4540-911D-FFFC0A0EF24A}" type="datetime1">
               <a:rPr lang="en-US" smtClean="0"/>
-              <a:t>1/7/2025</a:t>
+              <a:t>1/12/2025</a:t>
             </a:fld>
             <a:endParaRPr lang="en-US" dirty="0"/>
           </a:p>
@@ -2491,7 +2406,7 @@
           <a:p>
             <a:fld id="{69186D26-FA5F-4637-B602-B7C2DC34CFD4}" type="datetime1">
               <a:rPr lang="en-US" smtClean="0"/>
-              <a:t>1/7/2025</a:t>
+              <a:t>1/12/2025</a:t>
             </a:fld>
             <a:endParaRPr lang="en-US"/>
           </a:p>
@@ -2926,7 +2841,7 @@
           <a:p>
             <a:fld id="{8A7F15D8-96D1-4781-BC50-CA8A088B2FE4}" type="datetime1">
               <a:rPr lang="en-US" smtClean="0"/>
-              <a:t>1/7/2025</a:t>
+              <a:t>1/12/2025</a:t>
             </a:fld>
             <a:endParaRPr lang="en-US"/>
           </a:p>
@@ -3044,7 +2959,7 @@
           <a:p>
             <a:fld id="{F9A96C99-B8F8-4528-BD05-0E16E943DC09}" type="datetime1">
               <a:rPr lang="en-US" smtClean="0"/>
-              <a:t>1/7/2025</a:t>
+              <a:t>1/12/2025</a:t>
             </a:fld>
             <a:endParaRPr lang="en-US"/>
           </a:p>
@@ -3139,7 +3054,7 @@
           <a:p>
             <a:fld id="{03636942-C211-4B28-8DBD-C953E00AF71B}" type="datetime1">
               <a:rPr lang="en-US" smtClean="0"/>
-              <a:t>1/7/2025</a:t>
+              <a:t>1/12/2025</a:t>
             </a:fld>
             <a:endParaRPr lang="en-US"/>
           </a:p>
@@ -3556,7 +3471,7 @@
           <a:p>
             <a:fld id="{7E8D12A6-918A-48BD-8CB9-CA713993B0EA}" type="datetime1">
               <a:rPr lang="en-US" smtClean="0"/>
-              <a:t>1/7/2025</a:t>
+              <a:t>1/12/2025</a:t>
             </a:fld>
             <a:endParaRPr lang="en-US"/>
           </a:p>
@@ -3818,7 +3733,7 @@
             <a:fld id="{E778CE86-875F-4587-BCF6-FA054AFC0D53}" type="datetime1">
               <a:rPr lang="en-US" smtClean="0"/>
               <a:pPr/>
-              <a:t>1/7/2025</a:t>
+              <a:t>1/12/2025</a:t>
             </a:fld>
             <a:endParaRPr lang="en-US" dirty="0"/>
           </a:p>
@@ -4334,7 +4249,7 @@
           <a:p>
             <a:fld id="{F6FA2B21-3FCD-4721-B95C-427943F61125}" type="datetime1">
               <a:rPr lang="en-US" smtClean="0"/>
-              <a:t>1/7/2025</a:t>
+              <a:t>1/12/2025</a:t>
             </a:fld>
             <a:endParaRPr lang="en-US"/>
           </a:p>
@@ -4811,6 +4726,71 @@
           <a:chExt cx="0" cy="0"/>
         </a:xfrm>
       </p:grpSpPr>
+      <p:sp>
+        <p:nvSpPr>
+          <p:cNvPr id="1076" name="Rectangle 1075">
+            <a:extLst>
+              <a:ext uri="{FF2B5EF4-FFF2-40B4-BE49-F238E27FC236}">
+                <a16:creationId xmlns:a16="http://schemas.microsoft.com/office/drawing/2014/main" id="{27A9C548-0579-4864-92A3-093842E89D88}"/>
+              </a:ext>
+              <a:ext uri="{C183D7F6-B498-43B3-948B-1728B52AA6E4}">
+                <adec:decorative xmlns:adec="http://schemas.microsoft.com/office/drawing/2017/decorative" val="1"/>
+              </a:ext>
+            </a:extLst>
+          </p:cNvPr>
+          <p:cNvSpPr>
+            <a:spLocks noGrp="1" noRot="1" noChangeAspect="1" noMove="1" noResize="1" noEditPoints="1" noAdjustHandles="1" noChangeArrowheads="1" noChangeShapeType="1" noTextEdit="1"/>
+          </p:cNvSpPr>
+          <p:nvPr>
+            <p:extLst>
+              <p:ext uri="{386F3935-93C4-4BCD-93E2-E3B085C9AB24}">
+                <p16:designElem xmlns:p16="http://schemas.microsoft.com/office/powerpoint/2015/main" val="1"/>
+              </p:ext>
+            </p:extLst>
+          </p:nvPr>
+        </p:nvSpPr>
+        <p:spPr>
+          <a:xfrm>
+            <a:off x="0" y="0"/>
+            <a:ext cx="12192000" cy="6858000"/>
+          </a:xfrm>
+          <a:prstGeom prst="rect">
+            <a:avLst/>
+          </a:prstGeom>
+          <a:solidFill>
+            <a:schemeClr val="bg1">
+              <a:lumMod val="85000"/>
+            </a:schemeClr>
+          </a:solidFill>
+          <a:ln>
+            <a:noFill/>
+          </a:ln>
+        </p:spPr>
+        <p:style>
+          <a:lnRef idx="2">
+            <a:schemeClr val="accent1">
+              <a:shade val="50000"/>
+            </a:schemeClr>
+          </a:lnRef>
+          <a:fillRef idx="1002">
+            <a:schemeClr val="lt2"/>
+          </a:fillRef>
+          <a:effectRef idx="0">
+            <a:schemeClr val="accent1"/>
+          </a:effectRef>
+          <a:fontRef idx="minor">
+            <a:schemeClr val="lt1"/>
+          </a:fontRef>
+        </p:style>
+        <p:txBody>
+          <a:bodyPr rtlCol="0" anchor="ctr"/>
+          <a:lstStyle/>
+          <a:p>
+            <a:pPr algn="ctr"/>
+            <a:endParaRPr lang="en-US"/>
+          </a:p>
+        </p:txBody>
+      </p:sp>
       <p:pic>
         <p:nvPicPr>
           <p:cNvPr id="1036" name="Picture 12" descr="Sheep Husbandry — Rangiora Vet Centre">
@@ -4833,13 +4813,13 @@
               </a:ext>
             </a:extLst>
           </a:blip>
-          <a:srcRect t="26431" b="17319"/>
+          <a:srcRect r="1475"/>
           <a:stretch/>
         </p:blipFill>
         <p:spPr bwMode="auto">
           <a:xfrm>
             <a:off x="20" y="10"/>
-            <a:ext cx="12191979" cy="6857990"/>
+            <a:ext cx="6756848" cy="6857990"/>
           </a:xfrm>
           <a:prstGeom prst="rect">
             <a:avLst/>
@@ -4858,10 +4838,10 @@
       </p:pic>
       <p:sp>
         <p:nvSpPr>
-          <p:cNvPr id="1069" name="Rectangle 1050">
+          <p:cNvPr id="1078" name="Rectangle 1077">
             <a:extLst>
               <a:ext uri="{FF2B5EF4-FFF2-40B4-BE49-F238E27FC236}">
-                <a16:creationId xmlns:a16="http://schemas.microsoft.com/office/drawing/2014/main" id="{2644B391-9BFE-445C-A9EC-F544BB85FBC7}"/>
+                <a16:creationId xmlns:a16="http://schemas.microsoft.com/office/drawing/2014/main" id="{57525A5F-CDD4-4EB3-9187-2A0E9EA15041}"/>
               </a:ext>
               <a:ext uri="{C183D7F6-B498-43B3-948B-1728B52AA6E4}">
                 <adec:decorative xmlns:adec="http://schemas.microsoft.com/office/drawing/2017/decorative" val="1"/>
@@ -4881,23 +4861,27 @@
         </p:nvSpPr>
         <p:spPr>
           <a:xfrm>
-            <a:off x="0" y="0"/>
-            <a:ext cx="4662210" cy="6858000"/>
+            <a:off x="7391973" y="643464"/>
+            <a:ext cx="4143830" cy="5566305"/>
           </a:xfrm>
           <a:prstGeom prst="rect">
             <a:avLst/>
           </a:prstGeom>
           <a:solidFill>
-            <a:schemeClr val="bg1">
-              <a:alpha val="30000"/>
-            </a:schemeClr>
+            <a:srgbClr val="FFFFFF"/>
           </a:solidFill>
-          <a:ln w="6350" cap="sq" cmpd="sng" algn="ctr">
+          <a:ln w="6350" cap="flat" cmpd="sng" algn="ctr">
             <a:noFill/>
             <a:prstDash val="solid"/>
-            <a:miter lim="800000"/>
           </a:ln>
-          <a:effectLst/>
+          <a:effectLst>
+            <a:outerShdw blurRad="50800" algn="ctr" rotWithShape="0">
+              <a:prstClr val="black">
+                <a:alpha val="66000"/>
+              </a:prstClr>
+            </a:outerShdw>
+            <a:softEdge rad="0"/>
+          </a:effectLst>
         </p:spPr>
         <p:txBody>
           <a:bodyPr/>
@@ -4907,12 +4891,12 @@
           </a:p>
         </p:txBody>
       </p:sp>
-      <p:sp>
-        <p:nvSpPr>
-          <p:cNvPr id="1070" name="Rectangle 1052">
+      <p:sp useBgFill="1">
+        <p:nvSpPr>
+          <p:cNvPr id="1080" name="Rectangle 1079">
             <a:extLst>
               <a:ext uri="{FF2B5EF4-FFF2-40B4-BE49-F238E27FC236}">
-                <a16:creationId xmlns:a16="http://schemas.microsoft.com/office/drawing/2014/main" id="{7990846F-3F1A-44C0-89BC-2CEB1E8F5847}"/>
+                <a16:creationId xmlns:a16="http://schemas.microsoft.com/office/drawing/2014/main" id="{08F5B423-DA6A-4E80-B3CA-549A442C8FB4}"/>
               </a:ext>
               <a:ext uri="{C183D7F6-B498-43B3-948B-1728B52AA6E4}">
                 <adec:decorative xmlns:adec="http://schemas.microsoft.com/office/drawing/2017/decorative" val="1"/>
@@ -4932,74 +4916,23 @@
         </p:nvSpPr>
         <p:spPr>
           <a:xfrm>
-            <a:off x="0" y="0"/>
-            <a:ext cx="4662210" cy="6858000"/>
+            <a:off x="7557364" y="806860"/>
+            <a:ext cx="3813048" cy="5239512"/>
           </a:xfrm>
           <a:prstGeom prst="rect">
             <a:avLst/>
           </a:prstGeom>
-          <a:solidFill>
-            <a:srgbClr val="A4A740">
-              <a:alpha val="40000"/>
-            </a:srgbClr>
-          </a:solidFill>
           <a:ln w="6350" cap="sq" cmpd="sng" algn="ctr">
-            <a:noFill/>
+            <a:solidFill>
+              <a:schemeClr val="tx1">
+                <a:lumMod val="75000"/>
+                <a:lumOff val="25000"/>
+              </a:schemeClr>
+            </a:solidFill>
             <a:prstDash val="solid"/>
             <a:miter lim="800000"/>
           </a:ln>
           <a:effectLst/>
-        </p:spPr>
-        <p:txBody>
-          <a:bodyPr/>
-          <a:lstStyle/>
-          <a:p>
-            <a:endParaRPr lang="pl-PL"/>
-          </a:p>
-        </p:txBody>
-      </p:sp>
-      <p:sp>
-        <p:nvSpPr>
-          <p:cNvPr id="1071" name="Rectangle 1054">
-            <a:extLst>
-              <a:ext uri="{FF2B5EF4-FFF2-40B4-BE49-F238E27FC236}">
-                <a16:creationId xmlns:a16="http://schemas.microsoft.com/office/drawing/2014/main" id="{80F26E69-87D9-4655-AE7B-280A87AA3CAD}"/>
-              </a:ext>
-              <a:ext uri="{C183D7F6-B498-43B3-948B-1728B52AA6E4}">
-                <adec:decorative xmlns:adec="http://schemas.microsoft.com/office/drawing/2017/decorative" val="1"/>
-              </a:ext>
-            </a:extLst>
-          </p:cNvPr>
-          <p:cNvSpPr>
-            <a:spLocks noGrp="1" noRot="1" noChangeAspect="1" noMove="1" noResize="1" noEditPoints="1" noAdjustHandles="1" noChangeArrowheads="1" noChangeShapeType="1" noTextEdit="1"/>
-          </p:cNvSpPr>
-          <p:nvPr>
-            <p:extLst>
-              <p:ext uri="{386F3935-93C4-4BCD-93E2-E3B085C9AB24}">
-                <p16:designElem xmlns:p16="http://schemas.microsoft.com/office/powerpoint/2015/main" val="1"/>
-              </p:ext>
-            </p:extLst>
-          </p:nvPr>
-        </p:nvSpPr>
-        <p:spPr>
-          <a:xfrm>
-            <a:off x="163977" y="164592"/>
-            <a:ext cx="4334256" cy="6528816"/>
-          </a:xfrm>
-          <a:prstGeom prst="rect">
-            <a:avLst/>
-          </a:prstGeom>
-          <a:noFill/>
-          <a:ln w="6350" cap="sq" cmpd="sng" algn="ctr">
-            <a:solidFill>
-              <a:schemeClr val="tx1"/>
-            </a:solidFill>
-            <a:prstDash val="solid"/>
-            <a:miter lim="800000"/>
-          </a:ln>
-          <a:effectLst>
-            <a:softEdge rad="0"/>
-          </a:effectLst>
         </p:spPr>
         <p:txBody>
           <a:bodyPr/>
@@ -5027,8 +4960,8 @@
         </p:nvSpPr>
         <p:spPr>
           <a:xfrm>
-            <a:off x="466524" y="1340361"/>
-            <a:ext cx="3729162" cy="3341700"/>
+            <a:off x="7957225" y="1559768"/>
+            <a:ext cx="2978281" cy="3135379"/>
           </a:xfrm>
         </p:spPr>
         <p:txBody>
@@ -5038,11 +4971,7 @@
           <a:lstStyle/>
           <a:p>
             <a:r>
-              <a:rPr lang="pl-PL" sz="3600">
-                <a:solidFill>
-                  <a:schemeClr val="tx1"/>
-                </a:solidFill>
-              </a:rPr>
+              <a:rPr lang="pl-PL" sz="3400" dirty="0"/>
               <a:t>Prognozowanie szeregów czasowych: metody klasyczne i elementy uczenia maszynowego</a:t>
             </a:r>
           </a:p>
@@ -5066,8 +4995,8 @@
         </p:nvSpPr>
         <p:spPr>
           <a:xfrm>
-            <a:off x="434284" y="4731476"/>
-            <a:ext cx="3793642" cy="970905"/>
+            <a:off x="7957225" y="4746686"/>
+            <a:ext cx="2978282" cy="992223"/>
           </a:xfrm>
         </p:spPr>
         <p:txBody>
@@ -5077,42 +5006,272 @@
           <a:lstStyle/>
           <a:p>
             <a:pPr>
-              <a:lnSpc>
-                <a:spcPct val="100000"/>
-              </a:lnSpc>
               <a:spcAft>
                 <a:spcPts val="600"/>
               </a:spcAft>
             </a:pPr>
             <a:r>
-              <a:rPr lang="pl-PL" sz="1700">
-                <a:solidFill>
-                  <a:schemeClr val="tx1"/>
-                </a:solidFill>
-              </a:rPr>
+              <a:rPr lang="pl-PL" sz="1400" dirty="0"/>
               <a:t>Autor: Aldona Świrad</a:t>
             </a:r>
           </a:p>
           <a:p>
             <a:pPr>
-              <a:lnSpc>
-                <a:spcPct val="100000"/>
-              </a:lnSpc>
               <a:spcAft>
                 <a:spcPts val="600"/>
               </a:spcAft>
             </a:pPr>
             <a:r>
-              <a:rPr lang="pl-PL" sz="1700">
-                <a:solidFill>
-                  <a:schemeClr val="tx1"/>
-                </a:solidFill>
-              </a:rPr>
-              <a:t>Opiekun pracy: dr hab. Liliana Rybarska-Rusinek, prof. PRz</a:t>
+              <a:rPr lang="pl-PL" sz="1400" dirty="0"/>
+              <a:t>Opiekun pracy: dr hab. Liliana Rybarska-Rusinek, prof. </a:t>
             </a:r>
-          </a:p>
-        </p:txBody>
-      </p:sp>
+            <a:r>
+              <a:rPr lang="pl-PL" sz="1400" dirty="0" err="1"/>
+              <a:t>PRz</a:t>
+            </a:r>
+            <a:endParaRPr lang="pl-PL" sz="1400" dirty="0"/>
+          </a:p>
+        </p:txBody>
+      </p:sp>
+      <p:sp>
+        <p:nvSpPr>
+          <p:cNvPr id="1082" name="Rectangle 1081">
+            <a:extLst>
+              <a:ext uri="{FF2B5EF4-FFF2-40B4-BE49-F238E27FC236}">
+                <a16:creationId xmlns:a16="http://schemas.microsoft.com/office/drawing/2014/main" id="{738170B5-3ECC-493B-85FA-6905971AD17E}"/>
+              </a:ext>
+              <a:ext uri="{C183D7F6-B498-43B3-948B-1728B52AA6E4}">
+                <adec:decorative xmlns:adec="http://schemas.microsoft.com/office/drawing/2017/decorative" val="1"/>
+              </a:ext>
+            </a:extLst>
+          </p:cNvPr>
+          <p:cNvSpPr>
+            <a:spLocks noGrp="1" noRot="1" noChangeAspect="1" noMove="1" noResize="1" noEditPoints="1" noAdjustHandles="1" noChangeArrowheads="1" noChangeShapeType="1" noTextEdit="1"/>
+          </p:cNvSpPr>
+          <p:nvPr>
+            <p:extLst>
+              <p:ext uri="{386F3935-93C4-4BCD-93E2-E3B085C9AB24}">
+                <p16:designElem xmlns:p16="http://schemas.microsoft.com/office/powerpoint/2015/main" val="1"/>
+              </p:ext>
+            </p:extLst>
+          </p:nvPr>
+        </p:nvSpPr>
+        <p:spPr>
+          <a:xfrm>
+            <a:off x="8503768" y="640856"/>
+            <a:ext cx="1920240" cy="731520"/>
+          </a:xfrm>
+          <a:prstGeom prst="rect">
+            <a:avLst/>
+          </a:prstGeom>
+          <a:solidFill>
+            <a:schemeClr val="accent1"/>
+          </a:solidFill>
+          <a:ln>
+            <a:noFill/>
+          </a:ln>
+        </p:spPr>
+        <p:style>
+          <a:lnRef idx="2">
+            <a:schemeClr val="accent1">
+              <a:shade val="50000"/>
+            </a:schemeClr>
+          </a:lnRef>
+          <a:fillRef idx="1">
+            <a:schemeClr val="accent1"/>
+          </a:fillRef>
+          <a:effectRef idx="0">
+            <a:schemeClr val="accent1"/>
+          </a:effectRef>
+          <a:fontRef idx="minor">
+            <a:schemeClr val="lt1"/>
+          </a:fontRef>
+        </p:style>
+        <p:txBody>
+          <a:bodyPr/>
+          <a:lstStyle/>
+          <a:p>
+            <a:endParaRPr lang="pl-PL"/>
+          </a:p>
+        </p:txBody>
+      </p:sp>
+      <p:cxnSp>
+        <p:nvCxnSpPr>
+          <p:cNvPr id="1084" name="Straight Connector 1083">
+            <a:extLst>
+              <a:ext uri="{FF2B5EF4-FFF2-40B4-BE49-F238E27FC236}">
+                <a16:creationId xmlns:a16="http://schemas.microsoft.com/office/drawing/2014/main" id="{F8DD37B8-B6EA-49DC-90EF-F4E3594540AE}"/>
+              </a:ext>
+              <a:ext uri="{C183D7F6-B498-43B3-948B-1728B52AA6E4}">
+                <adec:decorative xmlns:adec="http://schemas.microsoft.com/office/drawing/2017/decorative" val="1"/>
+              </a:ext>
+            </a:extLst>
+          </p:cNvPr>
+          <p:cNvCxnSpPr>
+            <a:cxnSpLocks noGrp="1" noRot="1" noChangeAspect="1" noMove="1" noResize="1" noEditPoints="1" noAdjustHandles="1" noChangeArrowheads="1" noChangeShapeType="1"/>
+          </p:cNvCxnSpPr>
+          <p:nvPr>
+            <p:extLst>
+              <p:ext uri="{386F3935-93C4-4BCD-93E2-E3B085C9AB24}">
+                <p16:designElem xmlns:p16="http://schemas.microsoft.com/office/powerpoint/2015/main" val="1"/>
+              </p:ext>
+            </p:extLst>
+          </p:nvPr>
+        </p:nvCxnSpPr>
+        <p:spPr>
+          <a:xfrm>
+            <a:off x="8618068" y="640855"/>
+            <a:ext cx="0" cy="640080"/>
+          </a:xfrm>
+          <a:prstGeom prst="line">
+            <a:avLst/>
+          </a:prstGeom>
+          <a:solidFill>
+            <a:schemeClr val="tx1">
+              <a:lumMod val="85000"/>
+              <a:lumOff val="15000"/>
+            </a:schemeClr>
+          </a:solidFill>
+          <a:ln>
+            <a:solidFill>
+              <a:srgbClr val="FFFFFF"/>
+            </a:solidFill>
+            <a:miter lim="800000"/>
+          </a:ln>
+        </p:spPr>
+        <p:style>
+          <a:lnRef idx="1">
+            <a:schemeClr val="accent1"/>
+          </a:lnRef>
+          <a:fillRef idx="0">
+            <a:schemeClr val="accent1"/>
+          </a:fillRef>
+          <a:effectRef idx="0">
+            <a:schemeClr val="accent1"/>
+          </a:effectRef>
+          <a:fontRef idx="minor">
+            <a:schemeClr val="tx1"/>
+          </a:fontRef>
+        </p:style>
+      </p:cxnSp>
+      <p:cxnSp>
+        <p:nvCxnSpPr>
+          <p:cNvPr id="1086" name="Straight Connector 1085">
+            <a:extLst>
+              <a:ext uri="{FF2B5EF4-FFF2-40B4-BE49-F238E27FC236}">
+                <a16:creationId xmlns:a16="http://schemas.microsoft.com/office/drawing/2014/main" id="{500F7FF8-41E5-4585-AFDC-54EA8B275752}"/>
+              </a:ext>
+              <a:ext uri="{C183D7F6-B498-43B3-948B-1728B52AA6E4}">
+                <adec:decorative xmlns:adec="http://schemas.microsoft.com/office/drawing/2017/decorative" val="1"/>
+              </a:ext>
+            </a:extLst>
+          </p:cNvPr>
+          <p:cNvCxnSpPr>
+            <a:cxnSpLocks noGrp="1" noRot="1" noChangeAspect="1" noMove="1" noResize="1" noEditPoints="1" noAdjustHandles="1" noChangeArrowheads="1" noChangeShapeType="1"/>
+          </p:cNvCxnSpPr>
+          <p:nvPr>
+            <p:extLst>
+              <p:ext uri="{386F3935-93C4-4BCD-93E2-E3B085C9AB24}">
+                <p16:designElem xmlns:p16="http://schemas.microsoft.com/office/powerpoint/2015/main" val="1"/>
+              </p:ext>
+            </p:extLst>
+          </p:nvPr>
+        </p:nvCxnSpPr>
+        <p:spPr>
+          <a:xfrm>
+            <a:off x="10309708" y="640855"/>
+            <a:ext cx="0" cy="640080"/>
+          </a:xfrm>
+          <a:prstGeom prst="line">
+            <a:avLst/>
+          </a:prstGeom>
+          <a:solidFill>
+            <a:schemeClr val="tx1">
+              <a:lumMod val="85000"/>
+              <a:lumOff val="15000"/>
+            </a:schemeClr>
+          </a:solidFill>
+          <a:ln>
+            <a:solidFill>
+              <a:srgbClr val="FFFFFF"/>
+            </a:solidFill>
+            <a:miter lim="800000"/>
+          </a:ln>
+        </p:spPr>
+        <p:style>
+          <a:lnRef idx="1">
+            <a:schemeClr val="accent1"/>
+          </a:lnRef>
+          <a:fillRef idx="0">
+            <a:schemeClr val="accent1"/>
+          </a:fillRef>
+          <a:effectRef idx="0">
+            <a:schemeClr val="accent1"/>
+          </a:effectRef>
+          <a:fontRef idx="minor">
+            <a:schemeClr val="tx1"/>
+          </a:fontRef>
+        </p:style>
+      </p:cxnSp>
+      <p:cxnSp>
+        <p:nvCxnSpPr>
+          <p:cNvPr id="1088" name="Straight Connector 1087">
+            <a:extLst>
+              <a:ext uri="{FF2B5EF4-FFF2-40B4-BE49-F238E27FC236}">
+                <a16:creationId xmlns:a16="http://schemas.microsoft.com/office/drawing/2014/main" id="{BAE2A71D-F8BA-4E4F-88A8-1F5FD5DF13DD}"/>
+              </a:ext>
+              <a:ext uri="{C183D7F6-B498-43B3-948B-1728B52AA6E4}">
+                <adec:decorative xmlns:adec="http://schemas.microsoft.com/office/drawing/2017/decorative" val="1"/>
+              </a:ext>
+            </a:extLst>
+          </p:cNvPr>
+          <p:cNvCxnSpPr>
+            <a:cxnSpLocks noGrp="1" noRot="1" noChangeAspect="1" noMove="1" noResize="1" noEditPoints="1" noAdjustHandles="1" noChangeArrowheads="1" noChangeShapeType="1"/>
+          </p:cNvCxnSpPr>
+          <p:nvPr>
+            <p:extLst>
+              <p:ext uri="{386F3935-93C4-4BCD-93E2-E3B085C9AB24}">
+                <p16:designElem xmlns:p16="http://schemas.microsoft.com/office/powerpoint/2015/main" val="1"/>
+              </p:ext>
+            </p:extLst>
+          </p:nvPr>
+        </p:nvCxnSpPr>
+        <p:spPr>
+          <a:xfrm>
+            <a:off x="8618068" y="1286150"/>
+            <a:ext cx="1691640" cy="0"/>
+          </a:xfrm>
+          <a:prstGeom prst="line">
+            <a:avLst/>
+          </a:prstGeom>
+          <a:solidFill>
+            <a:schemeClr val="tx1">
+              <a:lumMod val="85000"/>
+              <a:lumOff val="15000"/>
+            </a:schemeClr>
+          </a:solidFill>
+          <a:ln>
+            <a:solidFill>
+              <a:srgbClr val="FFFFFF"/>
+            </a:solidFill>
+            <a:miter lim="800000"/>
+          </a:ln>
+        </p:spPr>
+        <p:style>
+          <a:lnRef idx="1">
+            <a:schemeClr val="accent1"/>
+          </a:lnRef>
+          <a:fillRef idx="0">
+            <a:schemeClr val="accent1"/>
+          </a:fillRef>
+          <a:effectRef idx="0">
+            <a:schemeClr val="accent1"/>
+          </a:effectRef>
+          <a:fontRef idx="minor">
+            <a:schemeClr val="tx1"/>
+          </a:fontRef>
+        </p:style>
+      </p:cxnSp>
     </p:spTree>
     <p:extLst>
       <p:ext uri="{BB962C8B-B14F-4D97-AF65-F5344CB8AC3E}">
@@ -5121,7 +5280,7 @@
     </p:extLst>
   </p:cSld>
   <p:clrMapOvr>
-    <a:overrideClrMapping bg1="dk1" tx1="lt1" bg2="dk2" tx2="lt2" accent1="accent1" accent2="accent2" accent3="accent3" accent4="accent4" accent5="accent5" accent6="accent6" hlink="hlink" folHlink="folHlink"/>
+    <a:masterClrMapping/>
   </p:clrMapOvr>
   <p:timing>
     <p:tnLst>
@@ -5348,34 +5507,6 @@
       </p:grpSpPr>
       <p:sp>
         <p:nvSpPr>
-          <p:cNvPr id="2" name="Tytuł 1">
-            <a:extLst>
-              <a:ext uri="{FF2B5EF4-FFF2-40B4-BE49-F238E27FC236}">
-                <a16:creationId xmlns:a16="http://schemas.microsoft.com/office/drawing/2014/main" id="{6BC5D610-AA15-93D8-04AD-7FC234FD2576}"/>
-              </a:ext>
-            </a:extLst>
-          </p:cNvPr>
-          <p:cNvSpPr>
-            <a:spLocks noGrp="1"/>
-          </p:cNvSpPr>
-          <p:nvPr>
-            <p:ph type="title"/>
-          </p:nvPr>
-        </p:nvSpPr>
-        <p:spPr/>
-        <p:txBody>
-          <a:bodyPr/>
-          <a:lstStyle/>
-          <a:p>
-            <a:r>
-              <a:rPr lang="pl-PL" dirty="0"/>
-              <a:t>Cel i zakres pracy</a:t>
-            </a:r>
-          </a:p>
-        </p:txBody>
-      </p:sp>
-      <p:sp>
-        <p:nvSpPr>
           <p:cNvPr id="3" name="Tytuł 1">
             <a:extLst>
               <a:ext uri="{FF2B5EF4-FFF2-40B4-BE49-F238E27FC236}">
@@ -5390,8 +5521,8 @@
         </p:nvSpPr>
         <p:spPr>
           <a:xfrm>
-            <a:off x="4724400" y="1926677"/>
-            <a:ext cx="3242650" cy="1371600"/>
+            <a:off x="4851148" y="591696"/>
+            <a:ext cx="3242650" cy="685800"/>
           </a:xfrm>
           <a:prstGeom prst="rect">
             <a:avLst/>
@@ -5448,7 +5579,7 @@
         </p:nvSpPr>
         <p:spPr>
           <a:xfrm>
-            <a:off x="1880103" y="3772075"/>
+            <a:off x="1069818" y="1513235"/>
             <a:ext cx="3242650" cy="1371600"/>
           </a:xfrm>
           <a:prstGeom prst="rect">
@@ -5513,7 +5644,7 @@
         </p:nvSpPr>
         <p:spPr>
           <a:xfrm>
-            <a:off x="6345725" y="3772075"/>
+            <a:off x="6535848" y="1513235"/>
             <a:ext cx="5516578" cy="1371600"/>
           </a:xfrm>
           <a:prstGeom prst="rect">
@@ -5579,8 +5710,8 @@
         </p:nvCxnSpPr>
         <p:spPr>
           <a:xfrm rot="16200000" flipH="1">
-            <a:off x="7487970" y="2156031"/>
-            <a:ext cx="473798" cy="2758289"/>
+            <a:off x="7765436" y="-15467"/>
+            <a:ext cx="235739" cy="2821664"/>
           </a:xfrm>
           <a:prstGeom prst="bentConnector3">
             <a:avLst/>
@@ -5615,17 +5746,20 @@
           </p:cNvPr>
           <p:cNvCxnSpPr>
             <a:cxnSpLocks/>
+            <a:stCxn id="3" idx="2"/>
             <a:endCxn id="4" idx="0"/>
           </p:cNvCxnSpPr>
           <p:nvPr/>
         </p:nvCxnSpPr>
         <p:spPr>
-          <a:xfrm rot="10800000" flipV="1">
-            <a:off x="3501428" y="3535173"/>
-            <a:ext cx="2844300" cy="236902"/>
-          </a:xfrm>
-          <a:prstGeom prst="bentConnector2">
-            <a:avLst/>
+          <a:xfrm rot="5400000">
+            <a:off x="4463939" y="-495300"/>
+            <a:ext cx="235739" cy="3781330"/>
+          </a:xfrm>
+          <a:prstGeom prst="bentConnector3">
+            <a:avLst>
+              <a:gd name="adj1" fmla="val 50000"/>
+            </a:avLst>
           </a:prstGeom>
           <a:ln>
             <a:tailEnd type="triangle"/>
@@ -5646,95 +5780,12 @@
           </a:fontRef>
         </p:style>
       </p:cxnSp>
-    </p:spTree>
-    <p:extLst>
-      <p:ext uri="{BB962C8B-B14F-4D97-AF65-F5344CB8AC3E}">
-        <p14:creationId xmlns:p14="http://schemas.microsoft.com/office/powerpoint/2010/main" val="3854472727"/>
-      </p:ext>
-    </p:extLst>
-  </p:cSld>
-  <p:clrMapOvr>
-    <a:masterClrMapping/>
-  </p:clrMapOvr>
-</p:sld>
-</file>
-
-<file path=ppt/slides/slide3.xml><?xml version="1.0" encoding="utf-8"?>
-<p:sld xmlns:a="http://schemas.openxmlformats.org/drawingml/2006/main" xmlns:r="http://schemas.openxmlformats.org/officeDocument/2006/relationships" xmlns:p="http://schemas.openxmlformats.org/presentationml/2006/main">
-  <p:cSld>
-    <p:spTree>
-      <p:nvGrpSpPr>
-        <p:cNvPr id="1" name=""/>
-        <p:cNvGrpSpPr/>
-        <p:nvPr/>
-      </p:nvGrpSpPr>
-      <p:grpSpPr>
-        <a:xfrm>
-          <a:off x="0" y="0"/>
-          <a:ext cx="0" cy="0"/>
-          <a:chOff x="0" y="0"/>
-          <a:chExt cx="0" cy="0"/>
-        </a:xfrm>
-      </p:grpSpPr>
-      <p:sp>
-        <p:nvSpPr>
-          <p:cNvPr id="2" name="Tytuł 1">
+      <p:pic>
+        <p:nvPicPr>
+          <p:cNvPr id="19" name="Obraz 18">
             <a:extLst>
               <a:ext uri="{FF2B5EF4-FFF2-40B4-BE49-F238E27FC236}">
-                <a16:creationId xmlns:a16="http://schemas.microsoft.com/office/drawing/2014/main" id="{22E8E25A-4FFF-2AB7-EDDA-371F2F7CA8FF}"/>
-              </a:ext>
-            </a:extLst>
-          </p:cNvPr>
-          <p:cNvSpPr>
-            <a:spLocks noGrp="1"/>
-          </p:cNvSpPr>
-          <p:nvPr>
-            <p:ph type="title"/>
-          </p:nvPr>
-        </p:nvSpPr>
-        <p:spPr/>
-        <p:txBody>
-          <a:bodyPr/>
-          <a:lstStyle/>
-          <a:p>
-            <a:r>
-              <a:rPr lang="pl-PL" dirty="0"/>
-              <a:t>ARIMA</a:t>
-            </a:r>
-          </a:p>
-        </p:txBody>
-      </p:sp>
-      <p:sp>
-        <p:nvSpPr>
-          <p:cNvPr id="3" name="Symbol zastępczy zawartości 2">
-            <a:extLst>
-              <a:ext uri="{FF2B5EF4-FFF2-40B4-BE49-F238E27FC236}">
-                <a16:creationId xmlns:a16="http://schemas.microsoft.com/office/drawing/2014/main" id="{11F922A3-9DC5-955D-F576-D70292E2A217}"/>
-              </a:ext>
-            </a:extLst>
-          </p:cNvPr>
-          <p:cNvSpPr>
-            <a:spLocks noGrp="1"/>
-          </p:cNvSpPr>
-          <p:nvPr>
-            <p:ph idx="1"/>
-          </p:nvPr>
-        </p:nvSpPr>
-        <p:spPr/>
-        <p:txBody>
-          <a:bodyPr/>
-          <a:lstStyle/>
-          <a:p>
-            <a:endParaRPr lang="pl-PL"/>
-          </a:p>
-        </p:txBody>
-      </p:sp>
-      <p:pic>
-        <p:nvPicPr>
-          <p:cNvPr id="5" name="Obraz 4">
-            <a:extLst>
-              <a:ext uri="{FF2B5EF4-FFF2-40B4-BE49-F238E27FC236}">
-                <a16:creationId xmlns:a16="http://schemas.microsoft.com/office/drawing/2014/main" id="{CC0D4DD5-2017-9E58-3B8F-726C0641706B}"/>
+                <a16:creationId xmlns:a16="http://schemas.microsoft.com/office/drawing/2014/main" id="{E3C3ECAC-23B5-D49B-476B-0271121D1EE7}"/>
               </a:ext>
             </a:extLst>
           </p:cNvPr>
@@ -5751,103 +5802,20 @@
         </p:blipFill>
         <p:spPr>
           <a:xfrm>
-            <a:off x="1066800" y="1707637"/>
-            <a:ext cx="9163881" cy="4640590"/>
+            <a:off x="502156" y="3094721"/>
+            <a:ext cx="5083737" cy="2574405"/>
           </a:xfrm>
           <a:prstGeom prst="rect">
             <a:avLst/>
           </a:prstGeom>
         </p:spPr>
       </p:pic>
-    </p:spTree>
-    <p:extLst>
-      <p:ext uri="{BB962C8B-B14F-4D97-AF65-F5344CB8AC3E}">
-        <p14:creationId xmlns:p14="http://schemas.microsoft.com/office/powerpoint/2010/main" val="744659351"/>
-      </p:ext>
-    </p:extLst>
-  </p:cSld>
-  <p:clrMapOvr>
-    <a:masterClrMapping/>
-  </p:clrMapOvr>
-</p:sld>
-</file>
-
-<file path=ppt/slides/slide4.xml><?xml version="1.0" encoding="utf-8"?>
-<p:sld xmlns:a="http://schemas.openxmlformats.org/drawingml/2006/main" xmlns:r="http://schemas.openxmlformats.org/officeDocument/2006/relationships" xmlns:p="http://schemas.openxmlformats.org/presentationml/2006/main">
-  <p:cSld>
-    <p:spTree>
-      <p:nvGrpSpPr>
-        <p:cNvPr id="1" name=""/>
-        <p:cNvGrpSpPr/>
-        <p:nvPr/>
-      </p:nvGrpSpPr>
-      <p:grpSpPr>
-        <a:xfrm>
-          <a:off x="0" y="0"/>
-          <a:ext cx="0" cy="0"/>
-          <a:chOff x="0" y="0"/>
-          <a:chExt cx="0" cy="0"/>
-        </a:xfrm>
-      </p:grpSpPr>
-      <p:sp>
-        <p:nvSpPr>
-          <p:cNvPr id="2" name="Tytuł 1">
+      <p:pic>
+        <p:nvPicPr>
+          <p:cNvPr id="20" name="Obraz 19" descr="Obraz zawierający tekst, diagram, zrzut ekranu, Plan&#10;&#10;Opis wygenerowany automatycznie">
             <a:extLst>
               <a:ext uri="{FF2B5EF4-FFF2-40B4-BE49-F238E27FC236}">
-                <a16:creationId xmlns:a16="http://schemas.microsoft.com/office/drawing/2014/main" id="{5C91B201-5B18-25DE-3710-EB8502DAC31C}"/>
-              </a:ext>
-            </a:extLst>
-          </p:cNvPr>
-          <p:cNvSpPr>
-            <a:spLocks noGrp="1"/>
-          </p:cNvSpPr>
-          <p:nvPr>
-            <p:ph type="title"/>
-          </p:nvPr>
-        </p:nvSpPr>
-        <p:spPr/>
-        <p:txBody>
-          <a:bodyPr/>
-          <a:lstStyle/>
-          <a:p>
-            <a:r>
-              <a:rPr lang="pl-PL" dirty="0"/>
-              <a:t>LSTM</a:t>
-            </a:r>
-          </a:p>
-        </p:txBody>
-      </p:sp>
-      <p:sp>
-        <p:nvSpPr>
-          <p:cNvPr id="3" name="Symbol zastępczy zawartości 2">
-            <a:extLst>
-              <a:ext uri="{FF2B5EF4-FFF2-40B4-BE49-F238E27FC236}">
-                <a16:creationId xmlns:a16="http://schemas.microsoft.com/office/drawing/2014/main" id="{196E2B19-C11E-5CE9-3EA5-2C44A8DFA806}"/>
-              </a:ext>
-            </a:extLst>
-          </p:cNvPr>
-          <p:cNvSpPr>
-            <a:spLocks noGrp="1"/>
-          </p:cNvSpPr>
-          <p:nvPr>
-            <p:ph idx="1"/>
-          </p:nvPr>
-        </p:nvSpPr>
-        <p:spPr/>
-        <p:txBody>
-          <a:bodyPr/>
-          <a:lstStyle/>
-          <a:p>
-            <a:endParaRPr lang="pl-PL"/>
-          </a:p>
-        </p:txBody>
-      </p:sp>
-      <p:pic>
-        <p:nvPicPr>
-          <p:cNvPr id="4" name="Obraz 3" descr="Obraz zawierający tekst, diagram, zrzut ekranu, Plan&#10;&#10;Opis wygenerowany automatycznie">
-            <a:extLst>
-              <a:ext uri="{FF2B5EF4-FFF2-40B4-BE49-F238E27FC236}">
-                <a16:creationId xmlns:a16="http://schemas.microsoft.com/office/drawing/2014/main" id="{B138E742-D9DE-985B-118B-65D3C1D59604}"/>
+                <a16:creationId xmlns:a16="http://schemas.microsoft.com/office/drawing/2014/main" id="{875D5445-79BA-06B6-7B55-6876059DCC2D}"/>
               </a:ext>
             </a:extLst>
           </p:cNvPr>
@@ -5871,8 +5839,8 @@
         </p:blipFill>
         <p:spPr bwMode="auto">
           <a:xfrm>
-            <a:off x="1132009" y="1627549"/>
-            <a:ext cx="9927982" cy="4800765"/>
+            <a:off x="5656153" y="2884835"/>
+            <a:ext cx="6104297" cy="3534072"/>
           </a:xfrm>
           <a:prstGeom prst="rect">
             <a:avLst/>
@@ -5883,13 +5851,1354 @@
     </p:spTree>
     <p:extLst>
       <p:ext uri="{BB962C8B-B14F-4D97-AF65-F5344CB8AC3E}">
-        <p14:creationId xmlns:p14="http://schemas.microsoft.com/office/powerpoint/2010/main" val="37905403"/>
+        <p14:creationId xmlns:p14="http://schemas.microsoft.com/office/powerpoint/2010/main" val="3854472727"/>
       </p:ext>
     </p:extLst>
   </p:cSld>
   <p:clrMapOvr>
     <a:masterClrMapping/>
   </p:clrMapOvr>
+</p:sld>
+</file>
+
+<file path=ppt/slides/slide3.xml><?xml version="1.0" encoding="utf-8"?>
+<p:sld xmlns:a="http://schemas.openxmlformats.org/drawingml/2006/main" xmlns:r="http://schemas.openxmlformats.org/officeDocument/2006/relationships" xmlns:p="http://schemas.openxmlformats.org/presentationml/2006/main">
+  <p:cSld>
+    <p:bg>
+      <p:bgPr>
+        <a:solidFill>
+          <a:schemeClr val="bg1"/>
+        </a:solidFill>
+        <a:effectLst/>
+      </p:bgPr>
+    </p:bg>
+    <p:spTree>
+      <p:nvGrpSpPr>
+        <p:cNvPr id="1" name=""/>
+        <p:cNvGrpSpPr/>
+        <p:nvPr/>
+      </p:nvGrpSpPr>
+      <p:grpSpPr>
+        <a:xfrm>
+          <a:off x="0" y="0"/>
+          <a:ext cx="0" cy="0"/>
+          <a:chOff x="0" y="0"/>
+          <a:chExt cx="0" cy="0"/>
+        </a:xfrm>
+      </p:grpSpPr>
+      <p:sp>
+        <p:nvSpPr>
+          <p:cNvPr id="37" name="Rectangle 12">
+            <a:extLst>
+              <a:ext uri="{FF2B5EF4-FFF2-40B4-BE49-F238E27FC236}">
+                <a16:creationId xmlns:a16="http://schemas.microsoft.com/office/drawing/2014/main" id="{904DB13E-F722-4ED6-BB00-556651E95281}"/>
+              </a:ext>
+              <a:ext uri="{C183D7F6-B498-43B3-948B-1728B52AA6E4}">
+                <adec:decorative xmlns:adec="http://schemas.microsoft.com/office/drawing/2017/decorative" val="1"/>
+              </a:ext>
+            </a:extLst>
+          </p:cNvPr>
+          <p:cNvSpPr>
+            <a:spLocks noGrp="1" noRot="1" noChangeAspect="1" noMove="1" noResize="1" noEditPoints="1" noAdjustHandles="1" noChangeArrowheads="1" noChangeShapeType="1" noTextEdit="1"/>
+          </p:cNvSpPr>
+          <p:nvPr>
+            <p:extLst>
+              <p:ext uri="{386F3935-93C4-4BCD-93E2-E3B085C9AB24}">
+                <p16:designElem xmlns:p16="http://schemas.microsoft.com/office/powerpoint/2015/main" val="1"/>
+              </p:ext>
+            </p:extLst>
+          </p:nvPr>
+        </p:nvSpPr>
+        <p:spPr>
+          <a:xfrm>
+            <a:off x="0" y="0"/>
+            <a:ext cx="12192000" cy="6858000"/>
+          </a:xfrm>
+          <a:prstGeom prst="rect">
+            <a:avLst/>
+          </a:prstGeom>
+          <a:solidFill>
+            <a:schemeClr val="tx1">
+              <a:lumMod val="65000"/>
+              <a:lumOff val="35000"/>
+            </a:schemeClr>
+          </a:solidFill>
+          <a:ln>
+            <a:noFill/>
+          </a:ln>
+        </p:spPr>
+        <p:style>
+          <a:lnRef idx="2">
+            <a:schemeClr val="accent1">
+              <a:shade val="50000"/>
+            </a:schemeClr>
+          </a:lnRef>
+          <a:fillRef idx="1">
+            <a:schemeClr val="accent1"/>
+          </a:fillRef>
+          <a:effectRef idx="0">
+            <a:schemeClr val="accent1"/>
+          </a:effectRef>
+          <a:fontRef idx="minor">
+            <a:schemeClr val="lt1"/>
+          </a:fontRef>
+        </p:style>
+        <p:txBody>
+          <a:bodyPr rtlCol="0" anchor="ctr"/>
+          <a:lstStyle/>
+          <a:p>
+            <a:pPr algn="ctr"/>
+            <a:endParaRPr lang="en-US"/>
+          </a:p>
+        </p:txBody>
+      </p:sp>
+      <p:sp useBgFill="1">
+        <p:nvSpPr>
+          <p:cNvPr id="39" name="Rectangle 14">
+            <a:extLst>
+              <a:ext uri="{FF2B5EF4-FFF2-40B4-BE49-F238E27FC236}">
+                <a16:creationId xmlns:a16="http://schemas.microsoft.com/office/drawing/2014/main" id="{1D91E3E1-5159-4DA9-8C1A-3897E909473B}"/>
+              </a:ext>
+              <a:ext uri="{C183D7F6-B498-43B3-948B-1728B52AA6E4}">
+                <adec:decorative xmlns:adec="http://schemas.microsoft.com/office/drawing/2017/decorative" val="1"/>
+              </a:ext>
+            </a:extLst>
+          </p:cNvPr>
+          <p:cNvSpPr>
+            <a:spLocks noGrp="1" noRot="1" noChangeAspect="1" noMove="1" noResize="1" noEditPoints="1" noAdjustHandles="1" noChangeArrowheads="1" noChangeShapeType="1" noTextEdit="1"/>
+          </p:cNvSpPr>
+          <p:nvPr>
+            <p:extLst>
+              <p:ext uri="{386F3935-93C4-4BCD-93E2-E3B085C9AB24}">
+                <p16:designElem xmlns:p16="http://schemas.microsoft.com/office/powerpoint/2015/main" val="1"/>
+              </p:ext>
+            </p:extLst>
+          </p:nvPr>
+        </p:nvSpPr>
+        <p:spPr>
+          <a:xfrm>
+            <a:off x="1307870" y="1267730"/>
+            <a:ext cx="9576262" cy="4307950"/>
+          </a:xfrm>
+          <a:prstGeom prst="rect">
+            <a:avLst/>
+          </a:prstGeom>
+          <a:ln w="6350" cap="flat" cmpd="sng" algn="ctr">
+            <a:noFill/>
+            <a:prstDash val="solid"/>
+          </a:ln>
+          <a:effectLst>
+            <a:outerShdw blurRad="50800" algn="ctr" rotWithShape="0">
+              <a:prstClr val="black">
+                <a:alpha val="66000"/>
+              </a:prstClr>
+            </a:outerShdw>
+            <a:softEdge rad="0"/>
+          </a:effectLst>
+        </p:spPr>
+        <p:txBody>
+          <a:bodyPr/>
+          <a:lstStyle/>
+          <a:p>
+            <a:endParaRPr lang="pl-PL"/>
+          </a:p>
+        </p:txBody>
+      </p:sp>
+      <p:sp>
+        <p:nvSpPr>
+          <p:cNvPr id="41" name="Rectangle 16">
+            <a:extLst>
+              <a:ext uri="{FF2B5EF4-FFF2-40B4-BE49-F238E27FC236}">
+                <a16:creationId xmlns:a16="http://schemas.microsoft.com/office/drawing/2014/main" id="{A9EF7E53-E975-4A5C-BF5D-D874044856E9}"/>
+              </a:ext>
+              <a:ext uri="{C183D7F6-B498-43B3-948B-1728B52AA6E4}">
+                <adec:decorative xmlns:adec="http://schemas.microsoft.com/office/drawing/2017/decorative" val="1"/>
+              </a:ext>
+            </a:extLst>
+          </p:cNvPr>
+          <p:cNvSpPr>
+            <a:spLocks noGrp="1" noRot="1" noChangeAspect="1" noMove="1" noResize="1" noEditPoints="1" noAdjustHandles="1" noChangeArrowheads="1" noChangeShapeType="1" noTextEdit="1"/>
+          </p:cNvSpPr>
+          <p:nvPr>
+            <p:extLst>
+              <p:ext uri="{386F3935-93C4-4BCD-93E2-E3B085C9AB24}">
+                <p16:designElem xmlns:p16="http://schemas.microsoft.com/office/powerpoint/2015/main" val="1"/>
+              </p:ext>
+            </p:extLst>
+          </p:nvPr>
+        </p:nvSpPr>
+        <p:spPr>
+          <a:xfrm>
+            <a:off x="1447801" y="1411615"/>
+            <a:ext cx="9296400" cy="4034770"/>
+          </a:xfrm>
+          <a:prstGeom prst="rect">
+            <a:avLst/>
+          </a:prstGeom>
+          <a:noFill/>
+          <a:ln w="6350" cap="sq" cmpd="sng" algn="ctr">
+            <a:solidFill>
+              <a:schemeClr val="tx1">
+                <a:lumMod val="75000"/>
+                <a:lumOff val="25000"/>
+              </a:schemeClr>
+            </a:solidFill>
+            <a:prstDash val="solid"/>
+            <a:miter lim="800000"/>
+          </a:ln>
+          <a:effectLst/>
+        </p:spPr>
+        <p:txBody>
+          <a:bodyPr/>
+          <a:lstStyle/>
+          <a:p>
+            <a:endParaRPr lang="pl-PL"/>
+          </a:p>
+        </p:txBody>
+      </p:sp>
+      <p:sp>
+        <p:nvSpPr>
+          <p:cNvPr id="43" name="Rectangle 18">
+            <a:extLst>
+              <a:ext uri="{FF2B5EF4-FFF2-40B4-BE49-F238E27FC236}">
+                <a16:creationId xmlns:a16="http://schemas.microsoft.com/office/drawing/2014/main" id="{D5C53263-995C-49EE-9CA6-FE769A768880}"/>
+              </a:ext>
+              <a:ext uri="{C183D7F6-B498-43B3-948B-1728B52AA6E4}">
+                <adec:decorative xmlns:adec="http://schemas.microsoft.com/office/drawing/2017/decorative" val="1"/>
+              </a:ext>
+            </a:extLst>
+          </p:cNvPr>
+          <p:cNvSpPr>
+            <a:spLocks noGrp="1" noRot="1" noChangeAspect="1" noMove="1" noResize="1" noEditPoints="1" noAdjustHandles="1" noChangeArrowheads="1" noChangeShapeType="1" noTextEdit="1"/>
+          </p:cNvSpPr>
+          <p:nvPr>
+            <p:extLst>
+              <p:ext uri="{386F3935-93C4-4BCD-93E2-E3B085C9AB24}">
+                <p16:designElem xmlns:p16="http://schemas.microsoft.com/office/powerpoint/2015/main" val="1"/>
+              </p:ext>
+            </p:extLst>
+          </p:nvPr>
+        </p:nvSpPr>
+        <p:spPr>
+          <a:xfrm>
+            <a:off x="5135880" y="1267730"/>
+            <a:ext cx="1920240" cy="731520"/>
+          </a:xfrm>
+          <a:prstGeom prst="rect">
+            <a:avLst/>
+          </a:prstGeom>
+          <a:solidFill>
+            <a:schemeClr val="accent1"/>
+          </a:solidFill>
+          <a:ln>
+            <a:noFill/>
+          </a:ln>
+        </p:spPr>
+        <p:style>
+          <a:lnRef idx="2">
+            <a:schemeClr val="accent1">
+              <a:shade val="50000"/>
+            </a:schemeClr>
+          </a:lnRef>
+          <a:fillRef idx="1">
+            <a:schemeClr val="accent1"/>
+          </a:fillRef>
+          <a:effectRef idx="0">
+            <a:schemeClr val="accent1"/>
+          </a:effectRef>
+          <a:fontRef idx="minor">
+            <a:schemeClr val="lt1"/>
+          </a:fontRef>
+        </p:style>
+        <p:txBody>
+          <a:bodyPr/>
+          <a:lstStyle/>
+          <a:p>
+            <a:endParaRPr lang="pl-PL"/>
+          </a:p>
+        </p:txBody>
+      </p:sp>
+      <p:grpSp>
+        <p:nvGrpSpPr>
+          <p:cNvPr id="45" name="Group 20">
+            <a:extLst>
+              <a:ext uri="{FF2B5EF4-FFF2-40B4-BE49-F238E27FC236}">
+                <a16:creationId xmlns:a16="http://schemas.microsoft.com/office/drawing/2014/main" id="{E26428D7-C6F3-473D-A360-A3F5C3E8728C}"/>
+              </a:ext>
+              <a:ext uri="{C183D7F6-B498-43B3-948B-1728B52AA6E4}">
+                <adec:decorative xmlns:adec="http://schemas.microsoft.com/office/drawing/2017/decorative" val="1"/>
+              </a:ext>
+            </a:extLst>
+          </p:cNvPr>
+          <p:cNvGrpSpPr>
+            <a:grpSpLocks noGrp="1" noUngrp="1" noRot="1" noChangeAspect="1" noMove="1" noResize="1"/>
+          </p:cNvGrpSpPr>
+          <p:nvPr>
+            <p:extLst>
+              <p:ext uri="{386F3935-93C4-4BCD-93E2-E3B085C9AB24}">
+                <p16:designElem xmlns:p16="http://schemas.microsoft.com/office/powerpoint/2015/main" val="1"/>
+              </p:ext>
+            </p:extLst>
+          </p:nvPr>
+        </p:nvGrpSpPr>
+        <p:grpSpPr>
+          <a:xfrm>
+            <a:off x="5250180" y="1267730"/>
+            <a:ext cx="1691640" cy="615934"/>
+            <a:chOff x="5250180" y="1267730"/>
+            <a:chExt cx="1691640" cy="615934"/>
+          </a:xfrm>
+        </p:grpSpPr>
+        <p:cxnSp>
+          <p:nvCxnSpPr>
+            <p:cNvPr id="22" name="Straight Connector 21">
+              <a:extLst>
+                <a:ext uri="{FF2B5EF4-FFF2-40B4-BE49-F238E27FC236}">
+                  <a16:creationId xmlns:a16="http://schemas.microsoft.com/office/drawing/2014/main" id="{87FFE657-1F53-4BA2-99ED-71027468AEFE}"/>
+                </a:ext>
+                <a:ext uri="{C183D7F6-B498-43B3-948B-1728B52AA6E4}">
+                  <adec:decorative xmlns:adec="http://schemas.microsoft.com/office/drawing/2017/decorative" val="1"/>
+                </a:ext>
+              </a:extLst>
+            </p:cNvPr>
+            <p:cNvCxnSpPr/>
+            <p:nvPr>
+              <p:extLst>
+                <p:ext uri="{386F3935-93C4-4BCD-93E2-E3B085C9AB24}">
+                  <p16:designElem xmlns:p16="http://schemas.microsoft.com/office/powerpoint/2015/main" val="1"/>
+                </p:ext>
+              </p:extLst>
+            </p:nvPr>
+          </p:nvCxnSpPr>
+          <p:spPr>
+            <a:xfrm>
+              <a:off x="5250180" y="1267730"/>
+              <a:ext cx="0" cy="612648"/>
+            </a:xfrm>
+            <a:prstGeom prst="line">
+              <a:avLst/>
+            </a:prstGeom>
+            <a:solidFill>
+              <a:schemeClr val="tx1">
+                <a:lumMod val="85000"/>
+                <a:lumOff val="15000"/>
+              </a:schemeClr>
+            </a:solidFill>
+            <a:ln>
+              <a:solidFill>
+                <a:srgbClr val="FFFFFF"/>
+              </a:solidFill>
+              <a:miter lim="800000"/>
+            </a:ln>
+          </p:spPr>
+          <p:style>
+            <a:lnRef idx="1">
+              <a:schemeClr val="accent1"/>
+            </a:lnRef>
+            <a:fillRef idx="0">
+              <a:schemeClr val="accent1"/>
+            </a:fillRef>
+            <a:effectRef idx="0">
+              <a:schemeClr val="accent1"/>
+            </a:effectRef>
+            <a:fontRef idx="minor">
+              <a:schemeClr val="tx1"/>
+            </a:fontRef>
+          </p:style>
+        </p:cxnSp>
+        <p:cxnSp>
+          <p:nvCxnSpPr>
+            <p:cNvPr id="23" name="Straight Connector 22">
+              <a:extLst>
+                <a:ext uri="{FF2B5EF4-FFF2-40B4-BE49-F238E27FC236}">
+                  <a16:creationId xmlns:a16="http://schemas.microsoft.com/office/drawing/2014/main" id="{3717B2EF-FCC5-4A6E-8AD7-25435095866F}"/>
+                </a:ext>
+                <a:ext uri="{C183D7F6-B498-43B3-948B-1728B52AA6E4}">
+                  <adec:decorative xmlns:adec="http://schemas.microsoft.com/office/drawing/2017/decorative" val="1"/>
+                </a:ext>
+              </a:extLst>
+            </p:cNvPr>
+            <p:cNvCxnSpPr/>
+            <p:nvPr>
+              <p:extLst>
+                <p:ext uri="{386F3935-93C4-4BCD-93E2-E3B085C9AB24}">
+                  <p16:designElem xmlns:p16="http://schemas.microsoft.com/office/powerpoint/2015/main" val="1"/>
+                </p:ext>
+              </p:extLst>
+            </p:nvPr>
+          </p:nvCxnSpPr>
+          <p:spPr>
+            <a:xfrm>
+              <a:off x="6941820" y="1267730"/>
+              <a:ext cx="0" cy="612648"/>
+            </a:xfrm>
+            <a:prstGeom prst="line">
+              <a:avLst/>
+            </a:prstGeom>
+            <a:solidFill>
+              <a:schemeClr val="tx1">
+                <a:lumMod val="85000"/>
+                <a:lumOff val="15000"/>
+              </a:schemeClr>
+            </a:solidFill>
+            <a:ln>
+              <a:solidFill>
+                <a:srgbClr val="FFFFFF"/>
+              </a:solidFill>
+              <a:miter lim="800000"/>
+            </a:ln>
+          </p:spPr>
+          <p:style>
+            <a:lnRef idx="1">
+              <a:schemeClr val="accent1"/>
+            </a:lnRef>
+            <a:fillRef idx="0">
+              <a:schemeClr val="accent1"/>
+            </a:fillRef>
+            <a:effectRef idx="0">
+              <a:schemeClr val="accent1"/>
+            </a:effectRef>
+            <a:fontRef idx="minor">
+              <a:schemeClr val="tx1"/>
+            </a:fontRef>
+          </p:style>
+        </p:cxnSp>
+        <p:cxnSp>
+          <p:nvCxnSpPr>
+            <p:cNvPr id="24" name="Straight Connector 23">
+              <a:extLst>
+                <a:ext uri="{FF2B5EF4-FFF2-40B4-BE49-F238E27FC236}">
+                  <a16:creationId xmlns:a16="http://schemas.microsoft.com/office/drawing/2014/main" id="{2E8BEC20-1CFB-4C38-819D-8EA157D70B50}"/>
+                </a:ext>
+                <a:ext uri="{C183D7F6-B498-43B3-948B-1728B52AA6E4}">
+                  <adec:decorative xmlns:adec="http://schemas.microsoft.com/office/drawing/2017/decorative" val="1"/>
+                </a:ext>
+              </a:extLst>
+            </p:cNvPr>
+            <p:cNvCxnSpPr/>
+            <p:nvPr>
+              <p:extLst>
+                <p:ext uri="{386F3935-93C4-4BCD-93E2-E3B085C9AB24}">
+                  <p16:designElem xmlns:p16="http://schemas.microsoft.com/office/powerpoint/2015/main" val="1"/>
+                </p:ext>
+              </p:extLst>
+            </p:nvPr>
+          </p:nvCxnSpPr>
+          <p:spPr>
+            <a:xfrm>
+              <a:off x="5250180" y="1883664"/>
+              <a:ext cx="1691640" cy="0"/>
+            </a:xfrm>
+            <a:prstGeom prst="line">
+              <a:avLst/>
+            </a:prstGeom>
+            <a:solidFill>
+              <a:schemeClr val="tx1">
+                <a:lumMod val="85000"/>
+                <a:lumOff val="15000"/>
+              </a:schemeClr>
+            </a:solidFill>
+            <a:ln>
+              <a:solidFill>
+                <a:srgbClr val="FFFFFF"/>
+              </a:solidFill>
+              <a:miter lim="800000"/>
+            </a:ln>
+          </p:spPr>
+          <p:style>
+            <a:lnRef idx="1">
+              <a:schemeClr val="accent1"/>
+            </a:lnRef>
+            <a:fillRef idx="0">
+              <a:schemeClr val="accent1"/>
+            </a:fillRef>
+            <a:effectRef idx="0">
+              <a:schemeClr val="accent1"/>
+            </a:effectRef>
+            <a:fontRef idx="minor">
+              <a:schemeClr val="tx1"/>
+            </a:fontRef>
+          </p:style>
+        </p:cxnSp>
+      </p:grpSp>
+      <p:sp>
+        <p:nvSpPr>
+          <p:cNvPr id="47" name="Rectangle 25">
+            <a:extLst>
+              <a:ext uri="{FF2B5EF4-FFF2-40B4-BE49-F238E27FC236}">
+                <a16:creationId xmlns:a16="http://schemas.microsoft.com/office/drawing/2014/main" id="{88B97419-BD60-419D-B1E8-D6AB544F075D}"/>
+              </a:ext>
+              <a:ext uri="{C183D7F6-B498-43B3-948B-1728B52AA6E4}">
+                <adec:decorative xmlns:adec="http://schemas.microsoft.com/office/drawing/2017/decorative" val="1"/>
+              </a:ext>
+            </a:extLst>
+          </p:cNvPr>
+          <p:cNvSpPr>
+            <a:spLocks noGrp="1" noRot="1" noChangeAspect="1" noMove="1" noResize="1" noEditPoints="1" noAdjustHandles="1" noChangeArrowheads="1" noChangeShapeType="1" noTextEdit="1"/>
+          </p:cNvSpPr>
+          <p:nvPr>
+            <p:extLst>
+              <p:ext uri="{386F3935-93C4-4BCD-93E2-E3B085C9AB24}">
+                <p16:designElem xmlns:p16="http://schemas.microsoft.com/office/powerpoint/2015/main" val="1"/>
+              </p:ext>
+            </p:extLst>
+          </p:nvPr>
+        </p:nvSpPr>
+        <p:spPr>
+          <a:xfrm>
+            <a:off x="0" y="0"/>
+            <a:ext cx="12192000" cy="6858000"/>
+          </a:xfrm>
+          <a:prstGeom prst="rect">
+            <a:avLst/>
+          </a:prstGeom>
+          <a:solidFill>
+            <a:schemeClr val="accent1"/>
+          </a:solidFill>
+          <a:ln>
+            <a:noFill/>
+          </a:ln>
+        </p:spPr>
+        <p:style>
+          <a:lnRef idx="2">
+            <a:schemeClr val="accent1">
+              <a:shade val="50000"/>
+            </a:schemeClr>
+          </a:lnRef>
+          <a:fillRef idx="1002">
+            <a:schemeClr val="lt2"/>
+          </a:fillRef>
+          <a:effectRef idx="0">
+            <a:schemeClr val="accent1"/>
+          </a:effectRef>
+          <a:fontRef idx="minor">
+            <a:schemeClr val="lt1"/>
+          </a:fontRef>
+        </p:style>
+        <p:txBody>
+          <a:bodyPr rtlCol="0" anchor="ctr"/>
+          <a:lstStyle/>
+          <a:p>
+            <a:pPr algn="ctr"/>
+            <a:endParaRPr lang="en-US"/>
+          </a:p>
+        </p:txBody>
+      </p:sp>
+      <p:sp>
+        <p:nvSpPr>
+          <p:cNvPr id="48" name="Rectangle 27">
+            <a:extLst>
+              <a:ext uri="{FF2B5EF4-FFF2-40B4-BE49-F238E27FC236}">
+                <a16:creationId xmlns:a16="http://schemas.microsoft.com/office/drawing/2014/main" id="{BE9705FD-A371-4FB1-B9F4-8CC8561B2576}"/>
+              </a:ext>
+              <a:ext uri="{C183D7F6-B498-43B3-948B-1728B52AA6E4}">
+                <adec:decorative xmlns:adec="http://schemas.microsoft.com/office/drawing/2017/decorative" val="1"/>
+              </a:ext>
+            </a:extLst>
+          </p:cNvPr>
+          <p:cNvSpPr>
+            <a:spLocks noGrp="1" noRot="1" noChangeAspect="1" noMove="1" noResize="1" noEditPoints="1" noAdjustHandles="1" noChangeArrowheads="1" noChangeShapeType="1" noTextEdit="1"/>
+          </p:cNvSpPr>
+          <p:nvPr>
+            <p:extLst>
+              <p:ext uri="{386F3935-93C4-4BCD-93E2-E3B085C9AB24}">
+                <p16:designElem xmlns:p16="http://schemas.microsoft.com/office/powerpoint/2015/main" val="1"/>
+              </p:ext>
+            </p:extLst>
+          </p:nvPr>
+        </p:nvSpPr>
+        <p:spPr>
+          <a:xfrm>
+            <a:off x="643337" y="643464"/>
+            <a:ext cx="6269159" cy="5571072"/>
+          </a:xfrm>
+          <a:prstGeom prst="rect">
+            <a:avLst/>
+          </a:prstGeom>
+          <a:solidFill>
+            <a:schemeClr val="bg1"/>
+          </a:solidFill>
+          <a:ln w="6350" cap="flat" cmpd="sng" algn="ctr">
+            <a:noFill/>
+            <a:prstDash val="solid"/>
+          </a:ln>
+          <a:effectLst>
+            <a:outerShdw blurRad="50800" algn="ctr" rotWithShape="0">
+              <a:prstClr val="black">
+                <a:alpha val="66000"/>
+              </a:prstClr>
+            </a:outerShdw>
+            <a:softEdge rad="0"/>
+          </a:effectLst>
+        </p:spPr>
+        <p:txBody>
+          <a:bodyPr/>
+          <a:lstStyle/>
+          <a:p>
+            <a:endParaRPr lang="pl-PL"/>
+          </a:p>
+        </p:txBody>
+      </p:sp>
+      <p:sp>
+        <p:nvSpPr>
+          <p:cNvPr id="49" name="Rectangle 29">
+            <a:extLst>
+              <a:ext uri="{FF2B5EF4-FFF2-40B4-BE49-F238E27FC236}">
+                <a16:creationId xmlns:a16="http://schemas.microsoft.com/office/drawing/2014/main" id="{7CFDB7CF-C9F4-4FC4-BA73-DD25E033458B}"/>
+              </a:ext>
+              <a:ext uri="{C183D7F6-B498-43B3-948B-1728B52AA6E4}">
+                <adec:decorative xmlns:adec="http://schemas.microsoft.com/office/drawing/2017/decorative" val="1"/>
+              </a:ext>
+            </a:extLst>
+          </p:cNvPr>
+          <p:cNvSpPr>
+            <a:spLocks noGrp="1" noRot="1" noChangeAspect="1" noMove="1" noResize="1" noEditPoints="1" noAdjustHandles="1" noChangeArrowheads="1" noChangeShapeType="1" noTextEdit="1"/>
+          </p:cNvSpPr>
+          <p:nvPr>
+            <p:extLst>
+              <p:ext uri="{386F3935-93C4-4BCD-93E2-E3B085C9AB24}">
+                <p16:designElem xmlns:p16="http://schemas.microsoft.com/office/powerpoint/2015/main" val="1"/>
+              </p:ext>
+            </p:extLst>
+          </p:nvPr>
+        </p:nvSpPr>
+        <p:spPr>
+          <a:xfrm>
+            <a:off x="806116" y="809244"/>
+            <a:ext cx="5943600" cy="5239512"/>
+          </a:xfrm>
+          <a:prstGeom prst="rect">
+            <a:avLst/>
+          </a:prstGeom>
+          <a:noFill/>
+          <a:ln w="6350" cap="sq" cmpd="sng" algn="ctr">
+            <a:solidFill>
+              <a:schemeClr val="tx1">
+                <a:lumMod val="75000"/>
+                <a:lumOff val="25000"/>
+              </a:schemeClr>
+            </a:solidFill>
+            <a:prstDash val="solid"/>
+            <a:miter lim="800000"/>
+          </a:ln>
+          <a:effectLst/>
+        </p:spPr>
+        <p:txBody>
+          <a:bodyPr/>
+          <a:lstStyle/>
+          <a:p>
+            <a:endParaRPr lang="pl-PL"/>
+          </a:p>
+        </p:txBody>
+      </p:sp>
+      <p:sp>
+        <p:nvSpPr>
+          <p:cNvPr id="2" name="Tytuł 1">
+            <a:extLst>
+              <a:ext uri="{FF2B5EF4-FFF2-40B4-BE49-F238E27FC236}">
+                <a16:creationId xmlns:a16="http://schemas.microsoft.com/office/drawing/2014/main" id="{4A0C0DFB-CF92-7A01-FFD0-CB0F34279F4F}"/>
+              </a:ext>
+            </a:extLst>
+          </p:cNvPr>
+          <p:cNvSpPr>
+            <a:spLocks noGrp="1"/>
+          </p:cNvSpPr>
+          <p:nvPr>
+            <p:ph type="title"/>
+          </p:nvPr>
+        </p:nvSpPr>
+        <p:spPr>
+          <a:xfrm>
+            <a:off x="1243632" y="1559768"/>
+            <a:ext cx="5068568" cy="3135379"/>
+          </a:xfrm>
+        </p:spPr>
+        <p:txBody>
+          <a:bodyPr vert="horz" lIns="91440" tIns="45720" rIns="91440" bIns="45720" rtlCol="0" anchor="ctr">
+            <a:normAutofit/>
+          </a:bodyPr>
+          <a:lstStyle/>
+          <a:p>
+            <a:pPr algn="ctr">
+              <a:lnSpc>
+                <a:spcPct val="83000"/>
+              </a:lnSpc>
+            </a:pPr>
+            <a:r>
+              <a:rPr lang="en-US" sz="6000" cap="all" spc="-100"/>
+              <a:t>Przykłady szeregów</a:t>
+            </a:r>
+          </a:p>
+        </p:txBody>
+      </p:sp>
+      <p:sp>
+        <p:nvSpPr>
+          <p:cNvPr id="50" name="Rectangle 31">
+            <a:extLst>
+              <a:ext uri="{FF2B5EF4-FFF2-40B4-BE49-F238E27FC236}">
+                <a16:creationId xmlns:a16="http://schemas.microsoft.com/office/drawing/2014/main" id="{BA464B5A-6CA7-49C3-AA06-0C34ECD71D07}"/>
+              </a:ext>
+              <a:ext uri="{C183D7F6-B498-43B3-948B-1728B52AA6E4}">
+                <adec:decorative xmlns:adec="http://schemas.microsoft.com/office/drawing/2017/decorative" val="1"/>
+              </a:ext>
+            </a:extLst>
+          </p:cNvPr>
+          <p:cNvSpPr>
+            <a:spLocks noGrp="1" noRot="1" noChangeAspect="1" noMove="1" noResize="1" noEditPoints="1" noAdjustHandles="1" noChangeArrowheads="1" noChangeShapeType="1" noTextEdit="1"/>
+          </p:cNvSpPr>
+          <p:nvPr>
+            <p:extLst>
+              <p:ext uri="{386F3935-93C4-4BCD-93E2-E3B085C9AB24}">
+                <p16:designElem xmlns:p16="http://schemas.microsoft.com/office/powerpoint/2015/main" val="1"/>
+              </p:ext>
+            </p:extLst>
+          </p:nvPr>
+        </p:nvSpPr>
+        <p:spPr>
+          <a:xfrm>
+            <a:off x="2817796" y="640856"/>
+            <a:ext cx="1920240" cy="731520"/>
+          </a:xfrm>
+          <a:prstGeom prst="rect">
+            <a:avLst/>
+          </a:prstGeom>
+          <a:solidFill>
+            <a:schemeClr val="bg2"/>
+          </a:solidFill>
+          <a:ln>
+            <a:noFill/>
+          </a:ln>
+        </p:spPr>
+        <p:style>
+          <a:lnRef idx="2">
+            <a:schemeClr val="accent1">
+              <a:shade val="50000"/>
+            </a:schemeClr>
+          </a:lnRef>
+          <a:fillRef idx="1">
+            <a:schemeClr val="accent1"/>
+          </a:fillRef>
+          <a:effectRef idx="0">
+            <a:schemeClr val="accent1"/>
+          </a:effectRef>
+          <a:fontRef idx="minor">
+            <a:schemeClr val="lt1"/>
+          </a:fontRef>
+        </p:style>
+        <p:txBody>
+          <a:bodyPr/>
+          <a:lstStyle/>
+          <a:p>
+            <a:endParaRPr lang="pl-PL"/>
+          </a:p>
+        </p:txBody>
+      </p:sp>
+      <p:cxnSp>
+        <p:nvCxnSpPr>
+          <p:cNvPr id="51" name="Straight Connector 33">
+            <a:extLst>
+              <a:ext uri="{FF2B5EF4-FFF2-40B4-BE49-F238E27FC236}">
+                <a16:creationId xmlns:a16="http://schemas.microsoft.com/office/drawing/2014/main" id="{A8A5AE0E-5E00-43A8-AE32-56F0602D7CF9}"/>
+              </a:ext>
+              <a:ext uri="{C183D7F6-B498-43B3-948B-1728B52AA6E4}">
+                <adec:decorative xmlns:adec="http://schemas.microsoft.com/office/drawing/2017/decorative" val="1"/>
+              </a:ext>
+            </a:extLst>
+          </p:cNvPr>
+          <p:cNvCxnSpPr>
+            <a:cxnSpLocks noGrp="1" noRot="1" noChangeAspect="1" noMove="1" noResize="1" noEditPoints="1" noAdjustHandles="1" noChangeArrowheads="1" noChangeShapeType="1"/>
+          </p:cNvCxnSpPr>
+          <p:nvPr>
+            <p:extLst>
+              <p:ext uri="{386F3935-93C4-4BCD-93E2-E3B085C9AB24}">
+                <p16:designElem xmlns:p16="http://schemas.microsoft.com/office/powerpoint/2015/main" val="1"/>
+              </p:ext>
+            </p:extLst>
+          </p:nvPr>
+        </p:nvCxnSpPr>
+        <p:spPr>
+          <a:xfrm>
+            <a:off x="2932096" y="640855"/>
+            <a:ext cx="0" cy="640080"/>
+          </a:xfrm>
+          <a:prstGeom prst="line">
+            <a:avLst/>
+          </a:prstGeom>
+          <a:solidFill>
+            <a:schemeClr val="tx1">
+              <a:lumMod val="85000"/>
+              <a:lumOff val="15000"/>
+            </a:schemeClr>
+          </a:solidFill>
+          <a:ln>
+            <a:solidFill>
+              <a:schemeClr val="tx1"/>
+            </a:solidFill>
+            <a:miter lim="800000"/>
+          </a:ln>
+        </p:spPr>
+        <p:style>
+          <a:lnRef idx="1">
+            <a:schemeClr val="accent1"/>
+          </a:lnRef>
+          <a:fillRef idx="0">
+            <a:schemeClr val="accent1"/>
+          </a:fillRef>
+          <a:effectRef idx="0">
+            <a:schemeClr val="accent1"/>
+          </a:effectRef>
+          <a:fontRef idx="minor">
+            <a:schemeClr val="tx1"/>
+          </a:fontRef>
+        </p:style>
+      </p:cxnSp>
+      <p:cxnSp>
+        <p:nvCxnSpPr>
+          <p:cNvPr id="36" name="Straight Connector 35">
+            <a:extLst>
+              <a:ext uri="{FF2B5EF4-FFF2-40B4-BE49-F238E27FC236}">
+                <a16:creationId xmlns:a16="http://schemas.microsoft.com/office/drawing/2014/main" id="{B91C4BFB-8480-4B9A-81A9-81BCD0125937}"/>
+              </a:ext>
+              <a:ext uri="{C183D7F6-B498-43B3-948B-1728B52AA6E4}">
+                <adec:decorative xmlns:adec="http://schemas.microsoft.com/office/drawing/2017/decorative" val="1"/>
+              </a:ext>
+            </a:extLst>
+          </p:cNvPr>
+          <p:cNvCxnSpPr>
+            <a:cxnSpLocks noGrp="1" noRot="1" noChangeAspect="1" noMove="1" noResize="1" noEditPoints="1" noAdjustHandles="1" noChangeArrowheads="1" noChangeShapeType="1"/>
+          </p:cNvCxnSpPr>
+          <p:nvPr>
+            <p:extLst>
+              <p:ext uri="{386F3935-93C4-4BCD-93E2-E3B085C9AB24}">
+                <p16:designElem xmlns:p16="http://schemas.microsoft.com/office/powerpoint/2015/main" val="1"/>
+              </p:ext>
+            </p:extLst>
+          </p:nvPr>
+        </p:nvCxnSpPr>
+        <p:spPr>
+          <a:xfrm>
+            <a:off x="4623736" y="640855"/>
+            <a:ext cx="0" cy="640080"/>
+          </a:xfrm>
+          <a:prstGeom prst="line">
+            <a:avLst/>
+          </a:prstGeom>
+          <a:solidFill>
+            <a:schemeClr val="tx1">
+              <a:lumMod val="85000"/>
+              <a:lumOff val="15000"/>
+            </a:schemeClr>
+          </a:solidFill>
+          <a:ln>
+            <a:solidFill>
+              <a:schemeClr val="tx1"/>
+            </a:solidFill>
+            <a:miter lim="800000"/>
+          </a:ln>
+        </p:spPr>
+        <p:style>
+          <a:lnRef idx="1">
+            <a:schemeClr val="accent1"/>
+          </a:lnRef>
+          <a:fillRef idx="0">
+            <a:schemeClr val="accent1"/>
+          </a:fillRef>
+          <a:effectRef idx="0">
+            <a:schemeClr val="accent1"/>
+          </a:effectRef>
+          <a:fontRef idx="minor">
+            <a:schemeClr val="tx1"/>
+          </a:fontRef>
+        </p:style>
+      </p:cxnSp>
+      <p:cxnSp>
+        <p:nvCxnSpPr>
+          <p:cNvPr id="38" name="Straight Connector 37">
+            <a:extLst>
+              <a:ext uri="{FF2B5EF4-FFF2-40B4-BE49-F238E27FC236}">
+                <a16:creationId xmlns:a16="http://schemas.microsoft.com/office/drawing/2014/main" id="{5AA9A6BF-77D8-4E38-83F2-8D3DDB1083D7}"/>
+              </a:ext>
+              <a:ext uri="{C183D7F6-B498-43B3-948B-1728B52AA6E4}">
+                <adec:decorative xmlns:adec="http://schemas.microsoft.com/office/drawing/2017/decorative" val="1"/>
+              </a:ext>
+            </a:extLst>
+          </p:cNvPr>
+          <p:cNvCxnSpPr>
+            <a:cxnSpLocks noGrp="1" noRot="1" noChangeAspect="1" noMove="1" noResize="1" noEditPoints="1" noAdjustHandles="1" noChangeArrowheads="1" noChangeShapeType="1"/>
+          </p:cNvCxnSpPr>
+          <p:nvPr>
+            <p:extLst>
+              <p:ext uri="{386F3935-93C4-4BCD-93E2-E3B085C9AB24}">
+                <p16:designElem xmlns:p16="http://schemas.microsoft.com/office/powerpoint/2015/main" val="1"/>
+              </p:ext>
+            </p:extLst>
+          </p:nvPr>
+        </p:nvCxnSpPr>
+        <p:spPr>
+          <a:xfrm>
+            <a:off x="2932096" y="1286150"/>
+            <a:ext cx="1691640" cy="0"/>
+          </a:xfrm>
+          <a:prstGeom prst="line">
+            <a:avLst/>
+          </a:prstGeom>
+          <a:solidFill>
+            <a:schemeClr val="tx1">
+              <a:lumMod val="85000"/>
+              <a:lumOff val="15000"/>
+            </a:schemeClr>
+          </a:solidFill>
+          <a:ln>
+            <a:solidFill>
+              <a:schemeClr val="tx1"/>
+            </a:solidFill>
+            <a:miter lim="800000"/>
+          </a:ln>
+        </p:spPr>
+        <p:style>
+          <a:lnRef idx="1">
+            <a:schemeClr val="accent1"/>
+          </a:lnRef>
+          <a:fillRef idx="0">
+            <a:schemeClr val="accent1"/>
+          </a:fillRef>
+          <a:effectRef idx="0">
+            <a:schemeClr val="accent1"/>
+          </a:effectRef>
+          <a:fontRef idx="minor">
+            <a:schemeClr val="tx1"/>
+          </a:fontRef>
+        </p:style>
+      </p:cxnSp>
+      <p:sp>
+        <p:nvSpPr>
+          <p:cNvPr id="40" name="Rectangle 39">
+            <a:extLst>
+              <a:ext uri="{FF2B5EF4-FFF2-40B4-BE49-F238E27FC236}">
+                <a16:creationId xmlns:a16="http://schemas.microsoft.com/office/drawing/2014/main" id="{9C299671-62D9-4DE2-8E0D-C73B8262D3FE}"/>
+              </a:ext>
+              <a:ext uri="{C183D7F6-B498-43B3-948B-1728B52AA6E4}">
+                <adec:decorative xmlns:adec="http://schemas.microsoft.com/office/drawing/2017/decorative" val="1"/>
+              </a:ext>
+            </a:extLst>
+          </p:cNvPr>
+          <p:cNvSpPr>
+            <a:spLocks noGrp="1" noRot="1" noChangeAspect="1" noMove="1" noResize="1" noEditPoints="1" noAdjustHandles="1" noChangeArrowheads="1" noChangeShapeType="1" noTextEdit="1"/>
+          </p:cNvSpPr>
+          <p:nvPr>
+            <p:extLst>
+              <p:ext uri="{386F3935-93C4-4BCD-93E2-E3B085C9AB24}">
+                <p16:designElem xmlns:p16="http://schemas.microsoft.com/office/powerpoint/2015/main" val="1"/>
+              </p:ext>
+            </p:extLst>
+          </p:nvPr>
+        </p:nvSpPr>
+        <p:spPr>
+          <a:xfrm>
+            <a:off x="7556055" y="0"/>
+            <a:ext cx="4636008" cy="6858000"/>
+          </a:xfrm>
+          <a:prstGeom prst="rect">
+            <a:avLst/>
+          </a:prstGeom>
+          <a:solidFill>
+            <a:srgbClr val="FFFFFF"/>
+          </a:solidFill>
+          <a:ln>
+            <a:noFill/>
+          </a:ln>
+        </p:spPr>
+        <p:style>
+          <a:lnRef idx="2">
+            <a:schemeClr val="accent1">
+              <a:shade val="50000"/>
+            </a:schemeClr>
+          </a:lnRef>
+          <a:fillRef idx="1">
+            <a:schemeClr val="accent1"/>
+          </a:fillRef>
+          <a:effectRef idx="0">
+            <a:schemeClr val="accent1"/>
+          </a:effectRef>
+          <a:fontRef idx="minor">
+            <a:schemeClr val="lt1"/>
+          </a:fontRef>
+        </p:style>
+        <p:txBody>
+          <a:bodyPr rtlCol="0" anchor="ctr"/>
+          <a:lstStyle/>
+          <a:p>
+            <a:pPr algn="ctr"/>
+            <a:endParaRPr lang="en-US"/>
+          </a:p>
+        </p:txBody>
+      </p:sp>
+      <p:pic>
+        <p:nvPicPr>
+          <p:cNvPr id="7" name="Obraz 6" descr="Obraz zawierający linia, Wykres, tekst, diagram&#10;&#10;Opis wygenerowany automatycznie">
+            <a:extLst>
+              <a:ext uri="{FF2B5EF4-FFF2-40B4-BE49-F238E27FC236}">
+                <a16:creationId xmlns:a16="http://schemas.microsoft.com/office/drawing/2014/main" id="{11BFA13E-8ABE-820A-CF51-5C4FC154A9DE}"/>
+              </a:ext>
+            </a:extLst>
+          </p:cNvPr>
+          <p:cNvPicPr>
+            <a:picLocks noChangeAspect="1"/>
+          </p:cNvPicPr>
+          <p:nvPr/>
+        </p:nvPicPr>
+        <p:blipFill>
+          <a:blip r:embed="rId2" cstate="print">
+            <a:extLst>
+              <a:ext uri="{28A0092B-C50C-407E-A947-70E740481C1C}">
+                <a14:useLocalDpi xmlns:a14="http://schemas.microsoft.com/office/drawing/2010/main" val="0"/>
+              </a:ext>
+            </a:extLst>
+          </a:blip>
+          <a:srcRect r="622" b="-2"/>
+          <a:stretch/>
+        </p:blipFill>
+        <p:spPr>
+          <a:xfrm>
+            <a:off x="7555832" y="1"/>
+            <a:ext cx="4636168" cy="2286000"/>
+          </a:xfrm>
+          <a:prstGeom prst="rect">
+            <a:avLst/>
+          </a:prstGeom>
+        </p:spPr>
+      </p:pic>
+      <p:pic>
+        <p:nvPicPr>
+          <p:cNvPr id="4" name="Obraz 3" descr="Obraz zawierający tekst, linia, Wykres, diagram&#10;&#10;Opis wygenerowany automatycznie">
+            <a:extLst>
+              <a:ext uri="{FF2B5EF4-FFF2-40B4-BE49-F238E27FC236}">
+                <a16:creationId xmlns:a16="http://schemas.microsoft.com/office/drawing/2014/main" id="{0BE62CAA-9289-C9B2-B094-681890D1798B}"/>
+              </a:ext>
+            </a:extLst>
+          </p:cNvPr>
+          <p:cNvPicPr>
+            <a:picLocks noChangeAspect="1"/>
+          </p:cNvPicPr>
+          <p:nvPr/>
+        </p:nvPicPr>
+        <p:blipFill>
+          <a:blip r:embed="rId3">
+            <a:extLst>
+              <a:ext uri="{28A0092B-C50C-407E-A947-70E740481C1C}">
+                <a14:useLocalDpi xmlns:a14="http://schemas.microsoft.com/office/drawing/2010/main" val="0"/>
+              </a:ext>
+            </a:extLst>
+          </a:blip>
+          <a:srcRect t="389" r="4" b="4"/>
+          <a:stretch/>
+        </p:blipFill>
+        <p:spPr>
+          <a:xfrm>
+            <a:off x="7555769" y="2286001"/>
+            <a:ext cx="4636231" cy="2286000"/>
+          </a:xfrm>
+          <a:prstGeom prst="rect">
+            <a:avLst/>
+          </a:prstGeom>
+        </p:spPr>
+      </p:pic>
+      <p:cxnSp>
+        <p:nvCxnSpPr>
+          <p:cNvPr id="42" name="Straight Connector 41">
+            <a:extLst>
+              <a:ext uri="{FF2B5EF4-FFF2-40B4-BE49-F238E27FC236}">
+                <a16:creationId xmlns:a16="http://schemas.microsoft.com/office/drawing/2014/main" id="{96261ACF-AE54-4A8F-976C-B44F3C7DF7E6}"/>
+              </a:ext>
+              <a:ext uri="{C183D7F6-B498-43B3-948B-1728B52AA6E4}">
+                <adec:decorative xmlns:adec="http://schemas.microsoft.com/office/drawing/2017/decorative" val="1"/>
+              </a:ext>
+            </a:extLst>
+          </p:cNvPr>
+          <p:cNvCxnSpPr>
+            <a:cxnSpLocks noGrp="1" noRot="1" noChangeAspect="1" noMove="1" noResize="1" noEditPoints="1" noAdjustHandles="1" noChangeArrowheads="1" noChangeShapeType="1"/>
+          </p:cNvCxnSpPr>
+          <p:nvPr>
+            <p:extLst>
+              <p:ext uri="{386F3935-93C4-4BCD-93E2-E3B085C9AB24}">
+                <p16:designElem xmlns:p16="http://schemas.microsoft.com/office/powerpoint/2015/main" val="1"/>
+              </p:ext>
+            </p:extLst>
+          </p:nvPr>
+        </p:nvCxnSpPr>
+        <p:spPr>
+          <a:xfrm>
+            <a:off x="7555992" y="2305901"/>
+            <a:ext cx="4636008" cy="0"/>
+          </a:xfrm>
+          <a:prstGeom prst="line">
+            <a:avLst/>
+          </a:prstGeom>
+          <a:ln w="31750">
+            <a:solidFill>
+              <a:schemeClr val="bg1"/>
+            </a:solidFill>
+            <a:miter lim="800000"/>
+          </a:ln>
+        </p:spPr>
+        <p:style>
+          <a:lnRef idx="1">
+            <a:schemeClr val="accent1"/>
+          </a:lnRef>
+          <a:fillRef idx="0">
+            <a:schemeClr val="accent1"/>
+          </a:fillRef>
+          <a:effectRef idx="0">
+            <a:schemeClr val="accent1"/>
+          </a:effectRef>
+          <a:fontRef idx="minor">
+            <a:schemeClr val="tx1"/>
+          </a:fontRef>
+        </p:style>
+      </p:cxnSp>
+      <p:pic>
+        <p:nvPicPr>
+          <p:cNvPr id="8" name="Obraz 7" descr="Obraz zawierający tekst, linia, pismo odręczne, Wykres&#10;&#10;Opis wygenerowany automatycznie">
+            <a:extLst>
+              <a:ext uri="{FF2B5EF4-FFF2-40B4-BE49-F238E27FC236}">
+                <a16:creationId xmlns:a16="http://schemas.microsoft.com/office/drawing/2014/main" id="{5B17FF50-2EB3-9453-F95E-1A36743F7B03}"/>
+              </a:ext>
+            </a:extLst>
+          </p:cNvPr>
+          <p:cNvPicPr>
+            <a:picLocks noChangeAspect="1"/>
+          </p:cNvPicPr>
+          <p:nvPr/>
+        </p:nvPicPr>
+        <p:blipFill>
+          <a:blip r:embed="rId4" cstate="print">
+            <a:extLst>
+              <a:ext uri="{28A0092B-C50C-407E-A947-70E740481C1C}">
+                <a14:useLocalDpi xmlns:a14="http://schemas.microsoft.com/office/drawing/2010/main" val="0"/>
+              </a:ext>
+            </a:extLst>
+          </a:blip>
+          <a:srcRect r="4" b="393"/>
+          <a:stretch/>
+        </p:blipFill>
+        <p:spPr>
+          <a:xfrm>
+            <a:off x="7555769" y="4572000"/>
+            <a:ext cx="4636231" cy="2286000"/>
+          </a:xfrm>
+          <a:prstGeom prst="rect">
+            <a:avLst/>
+          </a:prstGeom>
+        </p:spPr>
+      </p:pic>
+      <p:cxnSp>
+        <p:nvCxnSpPr>
+          <p:cNvPr id="44" name="Straight Connector 43">
+            <a:extLst>
+              <a:ext uri="{FF2B5EF4-FFF2-40B4-BE49-F238E27FC236}">
+                <a16:creationId xmlns:a16="http://schemas.microsoft.com/office/drawing/2014/main" id="{090B1F94-7F89-4CF6-82EC-F5D916C77E11}"/>
+              </a:ext>
+              <a:ext uri="{C183D7F6-B498-43B3-948B-1728B52AA6E4}">
+                <adec:decorative xmlns:adec="http://schemas.microsoft.com/office/drawing/2017/decorative" val="1"/>
+              </a:ext>
+            </a:extLst>
+          </p:cNvPr>
+          <p:cNvCxnSpPr>
+            <a:cxnSpLocks noGrp="1" noRot="1" noChangeAspect="1" noMove="1" noResize="1" noEditPoints="1" noAdjustHandles="1" noChangeArrowheads="1" noChangeShapeType="1"/>
+          </p:cNvCxnSpPr>
+          <p:nvPr>
+            <p:extLst>
+              <p:ext uri="{386F3935-93C4-4BCD-93E2-E3B085C9AB24}">
+                <p16:designElem xmlns:p16="http://schemas.microsoft.com/office/powerpoint/2015/main" val="1"/>
+              </p:ext>
+            </p:extLst>
+          </p:nvPr>
+        </p:nvCxnSpPr>
+        <p:spPr>
+          <a:xfrm>
+            <a:off x="7555992" y="4572000"/>
+            <a:ext cx="4636008" cy="0"/>
+          </a:xfrm>
+          <a:prstGeom prst="line">
+            <a:avLst/>
+          </a:prstGeom>
+          <a:ln w="31750">
+            <a:solidFill>
+              <a:schemeClr val="bg1"/>
+            </a:solidFill>
+            <a:miter lim="800000"/>
+          </a:ln>
+        </p:spPr>
+        <p:style>
+          <a:lnRef idx="1">
+            <a:schemeClr val="accent1"/>
+          </a:lnRef>
+          <a:fillRef idx="0">
+            <a:schemeClr val="accent1"/>
+          </a:fillRef>
+          <a:effectRef idx="0">
+            <a:schemeClr val="accent1"/>
+          </a:effectRef>
+          <a:fontRef idx="minor">
+            <a:schemeClr val="tx1"/>
+          </a:fontRef>
+        </p:style>
+      </p:cxnSp>
+      <p:cxnSp>
+        <p:nvCxnSpPr>
+          <p:cNvPr id="46" name="Straight Connector 45">
+            <a:extLst>
+              <a:ext uri="{FF2B5EF4-FFF2-40B4-BE49-F238E27FC236}">
+                <a16:creationId xmlns:a16="http://schemas.microsoft.com/office/drawing/2014/main" id="{AB466A7D-DCCA-4929-A323-1EB991B446EF}"/>
+              </a:ext>
+              <a:ext uri="{C183D7F6-B498-43B3-948B-1728B52AA6E4}">
+                <adec:decorative xmlns:adec="http://schemas.microsoft.com/office/drawing/2017/decorative" val="1"/>
+              </a:ext>
+            </a:extLst>
+          </p:cNvPr>
+          <p:cNvCxnSpPr>
+            <a:cxnSpLocks noGrp="1" noRot="1" noChangeAspect="1" noMove="1" noResize="1" noEditPoints="1" noAdjustHandles="1" noChangeArrowheads="1" noChangeShapeType="1"/>
+          </p:cNvCxnSpPr>
+          <p:nvPr>
+            <p:extLst>
+              <p:ext uri="{386F3935-93C4-4BCD-93E2-E3B085C9AB24}">
+                <p16:designElem xmlns:p16="http://schemas.microsoft.com/office/powerpoint/2015/main" val="1"/>
+              </p:ext>
+            </p:extLst>
+          </p:nvPr>
+        </p:nvCxnSpPr>
+        <p:spPr>
+          <a:xfrm>
+            <a:off x="7555769" y="0"/>
+            <a:ext cx="0" cy="6858000"/>
+          </a:xfrm>
+          <a:prstGeom prst="line">
+            <a:avLst/>
+          </a:prstGeom>
+          <a:ln w="31750">
+            <a:solidFill>
+              <a:schemeClr val="bg1"/>
+            </a:solidFill>
+            <a:miter lim="800000"/>
+          </a:ln>
+        </p:spPr>
+        <p:style>
+          <a:lnRef idx="1">
+            <a:schemeClr val="accent1"/>
+          </a:lnRef>
+          <a:fillRef idx="0">
+            <a:schemeClr val="accent1"/>
+          </a:fillRef>
+          <a:effectRef idx="0">
+            <a:schemeClr val="accent1"/>
+          </a:effectRef>
+          <a:fontRef idx="minor">
+            <a:schemeClr val="tx1"/>
+          </a:fontRef>
+        </p:style>
+      </p:cxnSp>
+    </p:spTree>
+    <p:extLst>
+      <p:ext uri="{BB962C8B-B14F-4D97-AF65-F5344CB8AC3E}">
+        <p14:creationId xmlns:p14="http://schemas.microsoft.com/office/powerpoint/2010/main" val="2762699130"/>
+      </p:ext>
+    </p:extLst>
+  </p:cSld>
+  <p:clrMapOvr>
+    <a:masterClrMapping/>
+  </p:clrMapOvr>
+  <p:timing>
+    <p:tnLst>
+      <p:par>
+        <p:cTn id="1" dur="indefinite" restart="never" nodeType="tmRoot">
+          <p:childTnLst>
+            <p:seq concurrent="1" nextAc="seek">
+              <p:cTn id="2" dur="indefinite" nodeType="mainSeq">
+                <p:childTnLst>
+                  <p:par>
+                    <p:cTn id="3" fill="hold">
+                      <p:stCondLst>
+                        <p:cond delay="indefinite"/>
+                        <p:cond evt="onBegin" delay="0">
+                          <p:tn val="2"/>
+                        </p:cond>
+                      </p:stCondLst>
+                      <p:childTnLst>
+                        <p:par>
+                          <p:cTn id="4" fill="hold">
+                            <p:stCondLst>
+                              <p:cond delay="0"/>
+                            </p:stCondLst>
+                            <p:childTnLst>
+                              <p:par>
+                                <p:cTn id="5" presetID="10" presetClass="entr" presetSubtype="0" fill="hold" grpId="0" nodeType="withEffect">
+                                  <p:stCondLst>
+                                    <p:cond delay="1000"/>
+                                  </p:stCondLst>
+                                  <p:iterate>
+                                    <p:tmPct val="10000"/>
+                                  </p:iterate>
+                                  <p:childTnLst>
+                                    <p:set>
+                                      <p:cBhvr>
+                                        <p:cTn id="6" dur="1" fill="hold">
+                                          <p:stCondLst>
+                                            <p:cond delay="0"/>
+                                          </p:stCondLst>
+                                        </p:cTn>
+                                        <p:tgtEl>
+                                          <p:spTgt spid="2"/>
+                                        </p:tgtEl>
+                                        <p:attrNameLst>
+                                          <p:attrName>style.visibility</p:attrName>
+                                        </p:attrNameLst>
+                                      </p:cBhvr>
+                                      <p:to>
+                                        <p:strVal val="visible"/>
+                                      </p:to>
+                                    </p:set>
+                                    <p:animEffect transition="in" filter="fade">
+                                      <p:cBhvr>
+                                        <p:cTn id="7" dur="700"/>
+                                        <p:tgtEl>
+                                          <p:spTgt spid="2"/>
+                                        </p:tgtEl>
+                                      </p:cBhvr>
+                                    </p:animEffect>
+                                  </p:childTnLst>
+                                </p:cTn>
+                              </p:par>
+                            </p:childTnLst>
+                          </p:cTn>
+                        </p:par>
+                      </p:childTnLst>
+                    </p:cTn>
+                  </p:par>
+                </p:childTnLst>
+              </p:cTn>
+              <p:prevCondLst>
+                <p:cond evt="onPrev" delay="0">
+                  <p:tgtEl>
+                    <p:sldTgt/>
+                  </p:tgtEl>
+                </p:cond>
+              </p:prevCondLst>
+              <p:nextCondLst>
+                <p:cond evt="onNext" delay="0">
+                  <p:tgtEl>
+                    <p:sldTgt/>
+                  </p:tgtEl>
+                </p:cond>
+              </p:nextCondLst>
+            </p:seq>
+          </p:childTnLst>
+        </p:cTn>
+      </p:par>
+    </p:tnLst>
+    <p:bldLst>
+      <p:bldP spid="2" grpId="0"/>
+    </p:bldLst>
+  </p:timing>
 </p:sld>
 </file>
 
